--- a/significance_results/article_figures/figures.pptx
+++ b/significance_results/article_figures/figures.pptx
@@ -6,6 +6,8 @@
   </p:sldMasterIdLst>
   <p:sldIdLst>
     <p:sldId id="256" r:id="rId2"/>
+    <p:sldId id="257" r:id="rId3"/>
+    <p:sldId id="258" r:id="rId4"/>
   </p:sldIdLst>
   <p:sldSz cx="12192000" cy="6858000"/>
   <p:notesSz cx="6858000" cy="9144000"/>
@@ -259,7 +261,7 @@
           <a:p>
             <a:fld id="{4435414B-ADD2-43DE-9D73-0125DC6028B1}" type="datetimeFigureOut">
               <a:rPr lang="en-US" smtClean="0"/>
-              <a:t>7/14/2022</a:t>
+              <a:t>7/25/2022</a:t>
             </a:fld>
             <a:endParaRPr lang="en-US"/>
           </a:p>
@@ -457,7 +459,7 @@
           <a:p>
             <a:fld id="{4435414B-ADD2-43DE-9D73-0125DC6028B1}" type="datetimeFigureOut">
               <a:rPr lang="en-US" smtClean="0"/>
-              <a:t>7/14/2022</a:t>
+              <a:t>7/25/2022</a:t>
             </a:fld>
             <a:endParaRPr lang="en-US"/>
           </a:p>
@@ -665,7 +667,7 @@
           <a:p>
             <a:fld id="{4435414B-ADD2-43DE-9D73-0125DC6028B1}" type="datetimeFigureOut">
               <a:rPr lang="en-US" smtClean="0"/>
-              <a:t>7/14/2022</a:t>
+              <a:t>7/25/2022</a:t>
             </a:fld>
             <a:endParaRPr lang="en-US"/>
           </a:p>
@@ -863,7 +865,7 @@
           <a:p>
             <a:fld id="{4435414B-ADD2-43DE-9D73-0125DC6028B1}" type="datetimeFigureOut">
               <a:rPr lang="en-US" smtClean="0"/>
-              <a:t>7/14/2022</a:t>
+              <a:t>7/25/2022</a:t>
             </a:fld>
             <a:endParaRPr lang="en-US"/>
           </a:p>
@@ -1138,7 +1140,7 @@
           <a:p>
             <a:fld id="{4435414B-ADD2-43DE-9D73-0125DC6028B1}" type="datetimeFigureOut">
               <a:rPr lang="en-US" smtClean="0"/>
-              <a:t>7/14/2022</a:t>
+              <a:t>7/25/2022</a:t>
             </a:fld>
             <a:endParaRPr lang="en-US"/>
           </a:p>
@@ -1403,7 +1405,7 @@
           <a:p>
             <a:fld id="{4435414B-ADD2-43DE-9D73-0125DC6028B1}" type="datetimeFigureOut">
               <a:rPr lang="en-US" smtClean="0"/>
-              <a:t>7/14/2022</a:t>
+              <a:t>7/25/2022</a:t>
             </a:fld>
             <a:endParaRPr lang="en-US"/>
           </a:p>
@@ -1815,7 +1817,7 @@
           <a:p>
             <a:fld id="{4435414B-ADD2-43DE-9D73-0125DC6028B1}" type="datetimeFigureOut">
               <a:rPr lang="en-US" smtClean="0"/>
-              <a:t>7/14/2022</a:t>
+              <a:t>7/25/2022</a:t>
             </a:fld>
             <a:endParaRPr lang="en-US"/>
           </a:p>
@@ -1956,7 +1958,7 @@
           <a:p>
             <a:fld id="{4435414B-ADD2-43DE-9D73-0125DC6028B1}" type="datetimeFigureOut">
               <a:rPr lang="en-US" smtClean="0"/>
-              <a:t>7/14/2022</a:t>
+              <a:t>7/25/2022</a:t>
             </a:fld>
             <a:endParaRPr lang="en-US"/>
           </a:p>
@@ -2069,7 +2071,7 @@
           <a:p>
             <a:fld id="{4435414B-ADD2-43DE-9D73-0125DC6028B1}" type="datetimeFigureOut">
               <a:rPr lang="en-US" smtClean="0"/>
-              <a:t>7/14/2022</a:t>
+              <a:t>7/25/2022</a:t>
             </a:fld>
             <a:endParaRPr lang="en-US"/>
           </a:p>
@@ -2380,7 +2382,7 @@
           <a:p>
             <a:fld id="{4435414B-ADD2-43DE-9D73-0125DC6028B1}" type="datetimeFigureOut">
               <a:rPr lang="en-US" smtClean="0"/>
-              <a:t>7/14/2022</a:t>
+              <a:t>7/25/2022</a:t>
             </a:fld>
             <a:endParaRPr lang="en-US"/>
           </a:p>
@@ -2668,7 +2670,7 @@
           <a:p>
             <a:fld id="{4435414B-ADD2-43DE-9D73-0125DC6028B1}" type="datetimeFigureOut">
               <a:rPr lang="en-US" smtClean="0"/>
-              <a:t>7/14/2022</a:t>
+              <a:t>7/25/2022</a:t>
             </a:fld>
             <a:endParaRPr lang="en-US"/>
           </a:p>
@@ -2909,7 +2911,7 @@
           <a:p>
             <a:fld id="{4435414B-ADD2-43DE-9D73-0125DC6028B1}" type="datetimeFigureOut">
               <a:rPr lang="en-US" smtClean="0"/>
-              <a:t>7/14/2022</a:t>
+              <a:t>7/25/2022</a:t>
             </a:fld>
             <a:endParaRPr lang="en-US"/>
           </a:p>
@@ -3669,6 +3671,252 @@
 </p:sld>
 </file>
 
+<file path=ppt/slides/slide2.xml><?xml version="1.0" encoding="utf-8"?>
+<p:sld xmlns:a="http://schemas.openxmlformats.org/drawingml/2006/main" xmlns:r="http://schemas.openxmlformats.org/officeDocument/2006/relationships" xmlns:p="http://schemas.openxmlformats.org/presentationml/2006/main">
+  <p:cSld>
+    <p:spTree>
+      <p:nvGrpSpPr>
+        <p:cNvPr id="1" name=""/>
+        <p:cNvGrpSpPr/>
+        <p:nvPr/>
+      </p:nvGrpSpPr>
+      <p:grpSpPr>
+        <a:xfrm>
+          <a:off x="0" y="0"/>
+          <a:ext cx="0" cy="0"/>
+          <a:chOff x="0" y="0"/>
+          <a:chExt cx="0" cy="0"/>
+        </a:xfrm>
+      </p:grpSpPr>
+      <p:grpSp>
+        <p:nvGrpSpPr>
+          <p:cNvPr id="8" name="Group 7">
+            <a:extLst>
+              <a:ext uri="{FF2B5EF4-FFF2-40B4-BE49-F238E27FC236}">
+                <a16:creationId xmlns:a16="http://schemas.microsoft.com/office/drawing/2014/main" id="{E63900E2-876F-C5CC-36A7-9F9D91CD7E95}"/>
+              </a:ext>
+            </a:extLst>
+          </p:cNvPr>
+          <p:cNvGrpSpPr/>
+          <p:nvPr/>
+        </p:nvGrpSpPr>
+        <p:grpSpPr>
+          <a:xfrm>
+            <a:off x="3413463" y="614292"/>
+            <a:ext cx="4408774" cy="5158905"/>
+            <a:chOff x="3790491" y="341271"/>
+            <a:chExt cx="4408774" cy="5158905"/>
+          </a:xfrm>
+        </p:grpSpPr>
+        <p:pic>
+          <p:nvPicPr>
+            <p:cNvPr id="5" name="Picture 4" descr="Chart, line chart&#10;&#10;Description automatically generated">
+              <a:extLst>
+                <a:ext uri="{FF2B5EF4-FFF2-40B4-BE49-F238E27FC236}">
+                  <a16:creationId xmlns:a16="http://schemas.microsoft.com/office/drawing/2014/main" id="{B86E0ED4-DD01-3020-B71D-E02BDDF77B87}"/>
+                </a:ext>
+              </a:extLst>
+            </p:cNvPr>
+            <p:cNvPicPr>
+              <a:picLocks noChangeAspect="1"/>
+            </p:cNvPicPr>
+            <p:nvPr/>
+          </p:nvPicPr>
+          <p:blipFill>
+            <a:blip r:embed="rId2">
+              <a:extLst>
+                <a:ext uri="{28A0092B-C50C-407E-A947-70E740481C1C}">
+                  <a14:useLocalDpi xmlns:a14="http://schemas.microsoft.com/office/drawing/2010/main" val="0"/>
+                </a:ext>
+              </a:extLst>
+            </a:blip>
+            <a:stretch>
+              <a:fillRect/>
+            </a:stretch>
+          </p:blipFill>
+          <p:spPr>
+            <a:xfrm>
+              <a:off x="3790491" y="341271"/>
+              <a:ext cx="4408774" cy="2755484"/>
+            </a:xfrm>
+            <a:prstGeom prst="rect">
+              <a:avLst/>
+            </a:prstGeom>
+          </p:spPr>
+        </p:pic>
+        <p:pic>
+          <p:nvPicPr>
+            <p:cNvPr id="7" name="Picture 6" descr="Chart, line chart&#10;&#10;Description automatically generated">
+              <a:extLst>
+                <a:ext uri="{FF2B5EF4-FFF2-40B4-BE49-F238E27FC236}">
+                  <a16:creationId xmlns:a16="http://schemas.microsoft.com/office/drawing/2014/main" id="{5FE260E8-06B8-2EC0-7B0A-89C94E8939C3}"/>
+                </a:ext>
+              </a:extLst>
+            </p:cNvPr>
+            <p:cNvPicPr>
+              <a:picLocks noChangeAspect="1"/>
+            </p:cNvPicPr>
+            <p:nvPr/>
+          </p:nvPicPr>
+          <p:blipFill>
+            <a:blip r:embed="rId3">
+              <a:extLst>
+                <a:ext uri="{28A0092B-C50C-407E-A947-70E740481C1C}">
+                  <a14:useLocalDpi xmlns:a14="http://schemas.microsoft.com/office/drawing/2010/main" val="0"/>
+                </a:ext>
+              </a:extLst>
+            </a:blip>
+            <a:stretch>
+              <a:fillRect/>
+            </a:stretch>
+          </p:blipFill>
+          <p:spPr>
+            <a:xfrm>
+              <a:off x="3790491" y="2744692"/>
+              <a:ext cx="4408774" cy="2755484"/>
+            </a:xfrm>
+            <a:prstGeom prst="rect">
+              <a:avLst/>
+            </a:prstGeom>
+          </p:spPr>
+        </p:pic>
+      </p:grpSp>
+    </p:spTree>
+    <p:extLst>
+      <p:ext uri="{BB962C8B-B14F-4D97-AF65-F5344CB8AC3E}">
+        <p14:creationId xmlns:p14="http://schemas.microsoft.com/office/powerpoint/2010/main" val="1711347283"/>
+      </p:ext>
+    </p:extLst>
+  </p:cSld>
+  <p:clrMapOvr>
+    <a:masterClrMapping/>
+  </p:clrMapOvr>
+</p:sld>
+</file>
+
+<file path=ppt/slides/slide3.xml><?xml version="1.0" encoding="utf-8"?>
+<p:sld xmlns:a="http://schemas.openxmlformats.org/drawingml/2006/main" xmlns:r="http://schemas.openxmlformats.org/officeDocument/2006/relationships" xmlns:p="http://schemas.openxmlformats.org/presentationml/2006/main">
+  <p:cSld>
+    <p:spTree>
+      <p:nvGrpSpPr>
+        <p:cNvPr id="1" name=""/>
+        <p:cNvGrpSpPr/>
+        <p:nvPr/>
+      </p:nvGrpSpPr>
+      <p:grpSpPr>
+        <a:xfrm>
+          <a:off x="0" y="0"/>
+          <a:ext cx="0" cy="0"/>
+          <a:chOff x="0" y="0"/>
+          <a:chExt cx="0" cy="0"/>
+        </a:xfrm>
+      </p:grpSpPr>
+      <p:grpSp>
+        <p:nvGrpSpPr>
+          <p:cNvPr id="8" name="Group 7">
+            <a:extLst>
+              <a:ext uri="{FF2B5EF4-FFF2-40B4-BE49-F238E27FC236}">
+                <a16:creationId xmlns:a16="http://schemas.microsoft.com/office/drawing/2014/main" id="{4BB0C50C-FED4-5C06-8F1B-02384AE47BB2}"/>
+              </a:ext>
+            </a:extLst>
+          </p:cNvPr>
+          <p:cNvGrpSpPr/>
+          <p:nvPr/>
+        </p:nvGrpSpPr>
+        <p:grpSpPr>
+          <a:xfrm>
+            <a:off x="392044" y="974416"/>
+            <a:ext cx="11129104" cy="4389129"/>
+            <a:chOff x="392044" y="974416"/>
+            <a:chExt cx="11129104" cy="4389129"/>
+          </a:xfrm>
+        </p:grpSpPr>
+        <p:pic>
+          <p:nvPicPr>
+            <p:cNvPr id="5" name="Picture 4" descr="Chart, scatter chart&#10;&#10;Description automatically generated">
+              <a:extLst>
+                <a:ext uri="{FF2B5EF4-FFF2-40B4-BE49-F238E27FC236}">
+                  <a16:creationId xmlns:a16="http://schemas.microsoft.com/office/drawing/2014/main" id="{DB619DE3-15B8-F1C6-C216-DA886A4C6962}"/>
+                </a:ext>
+              </a:extLst>
+            </p:cNvPr>
+            <p:cNvPicPr>
+              <a:picLocks noChangeAspect="1"/>
+            </p:cNvPicPr>
+            <p:nvPr/>
+          </p:nvPicPr>
+          <p:blipFill>
+            <a:blip r:embed="rId2">
+              <a:extLst>
+                <a:ext uri="{28A0092B-C50C-407E-A947-70E740481C1C}">
+                  <a14:useLocalDpi xmlns:a14="http://schemas.microsoft.com/office/drawing/2010/main" val="0"/>
+                </a:ext>
+              </a:extLst>
+            </a:blip>
+            <a:stretch>
+              <a:fillRect/>
+            </a:stretch>
+          </p:blipFill>
+          <p:spPr>
+            <a:xfrm>
+              <a:off x="392044" y="974416"/>
+              <a:ext cx="5852172" cy="4389129"/>
+            </a:xfrm>
+            <a:prstGeom prst="rect">
+              <a:avLst/>
+            </a:prstGeom>
+          </p:spPr>
+        </p:pic>
+        <p:pic>
+          <p:nvPicPr>
+            <p:cNvPr id="7" name="Picture 6" descr="Chart, scatter chart&#10;&#10;Description automatically generated">
+              <a:extLst>
+                <a:ext uri="{FF2B5EF4-FFF2-40B4-BE49-F238E27FC236}">
+                  <a16:creationId xmlns:a16="http://schemas.microsoft.com/office/drawing/2014/main" id="{00E37EB1-5E25-26A4-3B5F-AF1D4F159FFB}"/>
+                </a:ext>
+              </a:extLst>
+            </p:cNvPr>
+            <p:cNvPicPr>
+              <a:picLocks noChangeAspect="1"/>
+            </p:cNvPicPr>
+            <p:nvPr/>
+          </p:nvPicPr>
+          <p:blipFill>
+            <a:blip r:embed="rId3">
+              <a:extLst>
+                <a:ext uri="{28A0092B-C50C-407E-A947-70E740481C1C}">
+                  <a14:useLocalDpi xmlns:a14="http://schemas.microsoft.com/office/drawing/2010/main" val="0"/>
+                </a:ext>
+              </a:extLst>
+            </a:blip>
+            <a:stretch>
+              <a:fillRect/>
+            </a:stretch>
+          </p:blipFill>
+          <p:spPr>
+            <a:xfrm>
+              <a:off x="5668976" y="974416"/>
+              <a:ext cx="5852172" cy="4389129"/>
+            </a:xfrm>
+            <a:prstGeom prst="rect">
+              <a:avLst/>
+            </a:prstGeom>
+          </p:spPr>
+        </p:pic>
+      </p:grpSp>
+    </p:spTree>
+    <p:extLst>
+      <p:ext uri="{BB962C8B-B14F-4D97-AF65-F5344CB8AC3E}">
+        <p14:creationId xmlns:p14="http://schemas.microsoft.com/office/powerpoint/2010/main" val="164733606"/>
+      </p:ext>
+    </p:extLst>
+  </p:cSld>
+  <p:clrMapOvr>
+    <a:masterClrMapping/>
+  </p:clrMapOvr>
+</p:sld>
+</file>
+
 <file path=ppt/theme/theme1.xml><?xml version="1.0" encoding="utf-8"?>
 <a:theme xmlns:a="http://schemas.openxmlformats.org/drawingml/2006/main" name="Office Theme">
   <a:themeElements>

--- a/significance_results/article_figures/figures.pptx
+++ b/significance_results/article_figures/figures.pptx
@@ -2,20 +2,23 @@
 <file path=ppt/presentation.xml><?xml version="1.0" encoding="utf-8"?>
 <p:presentation xmlns:a="http://schemas.openxmlformats.org/drawingml/2006/main" xmlns:r="http://schemas.openxmlformats.org/officeDocument/2006/relationships" xmlns:p="http://schemas.openxmlformats.org/presentationml/2006/main" saveSubsetFonts="1">
   <p:sldMasterIdLst>
-    <p:sldMasterId id="2147483648" r:id="rId1"/>
+    <p:sldMasterId id="2147483660" r:id="rId1"/>
   </p:sldMasterIdLst>
   <p:sldIdLst>
     <p:sldId id="256" r:id="rId2"/>
     <p:sldId id="257" r:id="rId3"/>
     <p:sldId id="258" r:id="rId4"/>
+    <p:sldId id="259" r:id="rId5"/>
+    <p:sldId id="260" r:id="rId6"/>
+    <p:sldId id="261" r:id="rId7"/>
   </p:sldIdLst>
-  <p:sldSz cx="12192000" cy="6858000"/>
+  <p:sldSz cx="12192000" cy="15544800"/>
   <p:notesSz cx="6858000" cy="9144000"/>
   <p:defaultTextStyle>
     <a:defPPr>
       <a:defRPr lang="en-US"/>
     </a:defPPr>
-    <a:lvl1pPr marL="0" algn="l" defTabSz="914400" rtl="0" eaLnBrk="1" latinLnBrk="0" hangingPunct="1">
+    <a:lvl1pPr marL="0" algn="l" defTabSz="457200" rtl="0" eaLnBrk="1" latinLnBrk="0" hangingPunct="1">
       <a:defRPr sz="1800" kern="1200">
         <a:solidFill>
           <a:schemeClr val="tx1"/>
@@ -25,7 +28,7 @@
         <a:cs typeface="+mn-cs"/>
       </a:defRPr>
     </a:lvl1pPr>
-    <a:lvl2pPr marL="457200" algn="l" defTabSz="914400" rtl="0" eaLnBrk="1" latinLnBrk="0" hangingPunct="1">
+    <a:lvl2pPr marL="457200" algn="l" defTabSz="457200" rtl="0" eaLnBrk="1" latinLnBrk="0" hangingPunct="1">
       <a:defRPr sz="1800" kern="1200">
         <a:solidFill>
           <a:schemeClr val="tx1"/>
@@ -35,7 +38,7 @@
         <a:cs typeface="+mn-cs"/>
       </a:defRPr>
     </a:lvl2pPr>
-    <a:lvl3pPr marL="914400" algn="l" defTabSz="914400" rtl="0" eaLnBrk="1" latinLnBrk="0" hangingPunct="1">
+    <a:lvl3pPr marL="914400" algn="l" defTabSz="457200" rtl="0" eaLnBrk="1" latinLnBrk="0" hangingPunct="1">
       <a:defRPr sz="1800" kern="1200">
         <a:solidFill>
           <a:schemeClr val="tx1"/>
@@ -45,7 +48,7 @@
         <a:cs typeface="+mn-cs"/>
       </a:defRPr>
     </a:lvl3pPr>
-    <a:lvl4pPr marL="1371600" algn="l" defTabSz="914400" rtl="0" eaLnBrk="1" latinLnBrk="0" hangingPunct="1">
+    <a:lvl4pPr marL="1371600" algn="l" defTabSz="457200" rtl="0" eaLnBrk="1" latinLnBrk="0" hangingPunct="1">
       <a:defRPr sz="1800" kern="1200">
         <a:solidFill>
           <a:schemeClr val="tx1"/>
@@ -55,7 +58,7 @@
         <a:cs typeface="+mn-cs"/>
       </a:defRPr>
     </a:lvl4pPr>
-    <a:lvl5pPr marL="1828800" algn="l" defTabSz="914400" rtl="0" eaLnBrk="1" latinLnBrk="0" hangingPunct="1">
+    <a:lvl5pPr marL="1828800" algn="l" defTabSz="457200" rtl="0" eaLnBrk="1" latinLnBrk="0" hangingPunct="1">
       <a:defRPr sz="1800" kern="1200">
         <a:solidFill>
           <a:schemeClr val="tx1"/>
@@ -65,7 +68,7 @@
         <a:cs typeface="+mn-cs"/>
       </a:defRPr>
     </a:lvl5pPr>
-    <a:lvl6pPr marL="2286000" algn="l" defTabSz="914400" rtl="0" eaLnBrk="1" latinLnBrk="0" hangingPunct="1">
+    <a:lvl6pPr marL="2286000" algn="l" defTabSz="457200" rtl="0" eaLnBrk="1" latinLnBrk="0" hangingPunct="1">
       <a:defRPr sz="1800" kern="1200">
         <a:solidFill>
           <a:schemeClr val="tx1"/>
@@ -75,7 +78,7 @@
         <a:cs typeface="+mn-cs"/>
       </a:defRPr>
     </a:lvl6pPr>
-    <a:lvl7pPr marL="2743200" algn="l" defTabSz="914400" rtl="0" eaLnBrk="1" latinLnBrk="0" hangingPunct="1">
+    <a:lvl7pPr marL="2743200" algn="l" defTabSz="457200" rtl="0" eaLnBrk="1" latinLnBrk="0" hangingPunct="1">
       <a:defRPr sz="1800" kern="1200">
         <a:solidFill>
           <a:schemeClr val="tx1"/>
@@ -85,7 +88,7 @@
         <a:cs typeface="+mn-cs"/>
       </a:defRPr>
     </a:lvl7pPr>
-    <a:lvl8pPr marL="3200400" algn="l" defTabSz="914400" rtl="0" eaLnBrk="1" latinLnBrk="0" hangingPunct="1">
+    <a:lvl8pPr marL="3200400" algn="l" defTabSz="457200" rtl="0" eaLnBrk="1" latinLnBrk="0" hangingPunct="1">
       <a:defRPr sz="1800" kern="1200">
         <a:solidFill>
           <a:schemeClr val="tx1"/>
@@ -95,7 +98,7 @@
         <a:cs typeface="+mn-cs"/>
       </a:defRPr>
     </a:lvl8pPr>
-    <a:lvl9pPr marL="3657600" algn="l" defTabSz="914400" rtl="0" eaLnBrk="1" latinLnBrk="0" hangingPunct="1">
+    <a:lvl9pPr marL="3657600" algn="l" defTabSz="457200" rtl="0" eaLnBrk="1" latinLnBrk="0" hangingPunct="1">
       <a:defRPr sz="1800" kern="1200">
         <a:solidFill>
           <a:schemeClr val="tx1"/>
@@ -133,13 +136,7 @@
       </p:grpSpPr>
       <p:sp>
         <p:nvSpPr>
-          <p:cNvPr id="2" name="Title 1">
-            <a:extLst>
-              <a:ext uri="{FF2B5EF4-FFF2-40B4-BE49-F238E27FC236}">
-                <a16:creationId xmlns:a16="http://schemas.microsoft.com/office/drawing/2014/main" id="{4DE230E1-AC1E-89A4-48E8-5D240E17B1BB}"/>
-              </a:ext>
-            </a:extLst>
-          </p:cNvPr>
+          <p:cNvPr id="2" name="Title 1"/>
           <p:cNvSpPr>
             <a:spLocks noGrp="1"/>
           </p:cNvSpPr>
@@ -149,15 +146,15 @@
         </p:nvSpPr>
         <p:spPr>
           <a:xfrm>
-            <a:off x="1524000" y="1122363"/>
-            <a:ext cx="9144000" cy="2387600"/>
+            <a:off x="914400" y="2544023"/>
+            <a:ext cx="10363200" cy="5411893"/>
           </a:xfrm>
         </p:spPr>
         <p:txBody>
           <a:bodyPr anchor="b"/>
           <a:lstStyle>
             <a:lvl1pPr algn="ctr">
-              <a:defRPr sz="6000"/>
+              <a:defRPr sz="8000"/>
             </a:lvl1pPr>
           </a:lstStyle>
           <a:p>
@@ -165,18 +162,13 @@
               <a:rPr lang="en-US"/>
               <a:t>Click to edit Master title style</a:t>
             </a:r>
-          </a:p>
-        </p:txBody>
-      </p:sp>
-      <p:sp>
-        <p:nvSpPr>
-          <p:cNvPr id="3" name="Subtitle 2">
-            <a:extLst>
-              <a:ext uri="{FF2B5EF4-FFF2-40B4-BE49-F238E27FC236}">
-                <a16:creationId xmlns:a16="http://schemas.microsoft.com/office/drawing/2014/main" id="{8AE7F771-B40F-91B1-595F-17AF4843B336}"/>
-              </a:ext>
-            </a:extLst>
-          </p:cNvPr>
+            <a:endParaRPr lang="en-US" dirty="0"/>
+          </a:p>
+        </p:txBody>
+      </p:sp>
+      <p:sp>
+        <p:nvSpPr>
+          <p:cNvPr id="3" name="Subtitle 2"/>
           <p:cNvSpPr>
             <a:spLocks noGrp="1"/>
           </p:cNvSpPr>
@@ -186,8 +178,8 @@
         </p:nvSpPr>
         <p:spPr>
           <a:xfrm>
-            <a:off x="1524000" y="3602038"/>
-            <a:ext cx="9144000" cy="1655762"/>
+            <a:off x="1524000" y="8164619"/>
+            <a:ext cx="9144000" cy="3753061"/>
           </a:xfrm>
         </p:spPr>
         <p:txBody>
@@ -195,39 +187,39 @@
           <a:lstStyle>
             <a:lvl1pPr marL="0" indent="0" algn="ctr">
               <a:buNone/>
+              <a:defRPr sz="3200"/>
+            </a:lvl1pPr>
+            <a:lvl2pPr marL="609585" indent="0" algn="ctr">
+              <a:buNone/>
+              <a:defRPr sz="2667"/>
+            </a:lvl2pPr>
+            <a:lvl3pPr marL="1219170" indent="0" algn="ctr">
+              <a:buNone/>
               <a:defRPr sz="2400"/>
-            </a:lvl1pPr>
-            <a:lvl2pPr marL="457200" indent="0" algn="ctr">
-              <a:buNone/>
-              <a:defRPr sz="2000"/>
-            </a:lvl2pPr>
-            <a:lvl3pPr marL="914400" indent="0" algn="ctr">
-              <a:buNone/>
-              <a:defRPr sz="1800"/>
             </a:lvl3pPr>
-            <a:lvl4pPr marL="1371600" indent="0" algn="ctr">
-              <a:buNone/>
-              <a:defRPr sz="1600"/>
+            <a:lvl4pPr marL="1828754" indent="0" algn="ctr">
+              <a:buNone/>
+              <a:defRPr sz="2133"/>
             </a:lvl4pPr>
-            <a:lvl5pPr marL="1828800" indent="0" algn="ctr">
-              <a:buNone/>
-              <a:defRPr sz="1600"/>
+            <a:lvl5pPr marL="2438339" indent="0" algn="ctr">
+              <a:buNone/>
+              <a:defRPr sz="2133"/>
             </a:lvl5pPr>
-            <a:lvl6pPr marL="2286000" indent="0" algn="ctr">
-              <a:buNone/>
-              <a:defRPr sz="1600"/>
+            <a:lvl6pPr marL="3047924" indent="0" algn="ctr">
+              <a:buNone/>
+              <a:defRPr sz="2133"/>
             </a:lvl6pPr>
-            <a:lvl7pPr marL="2743200" indent="0" algn="ctr">
-              <a:buNone/>
-              <a:defRPr sz="1600"/>
+            <a:lvl7pPr marL="3657509" indent="0" algn="ctr">
+              <a:buNone/>
+              <a:defRPr sz="2133"/>
             </a:lvl7pPr>
-            <a:lvl8pPr marL="3200400" indent="0" algn="ctr">
-              <a:buNone/>
-              <a:defRPr sz="1600"/>
+            <a:lvl8pPr marL="4267093" indent="0" algn="ctr">
+              <a:buNone/>
+              <a:defRPr sz="2133"/>
             </a:lvl8pPr>
-            <a:lvl9pPr marL="3657600" indent="0" algn="ctr">
-              <a:buNone/>
-              <a:defRPr sz="1600"/>
+            <a:lvl9pPr marL="4876678" indent="0" algn="ctr">
+              <a:buNone/>
+              <a:defRPr sz="2133"/>
             </a:lvl9pPr>
           </a:lstStyle>
           <a:p>
@@ -235,18 +227,13 @@
               <a:rPr lang="en-US"/>
               <a:t>Click to edit Master subtitle style</a:t>
             </a:r>
-          </a:p>
-        </p:txBody>
-      </p:sp>
-      <p:sp>
-        <p:nvSpPr>
-          <p:cNvPr id="4" name="Date Placeholder 3">
-            <a:extLst>
-              <a:ext uri="{FF2B5EF4-FFF2-40B4-BE49-F238E27FC236}">
-                <a16:creationId xmlns:a16="http://schemas.microsoft.com/office/drawing/2014/main" id="{9C8AD283-6BB1-BEEE-1D5D-5E4BC0054BA7}"/>
-              </a:ext>
-            </a:extLst>
-          </p:cNvPr>
+            <a:endParaRPr lang="en-US" dirty="0"/>
+          </a:p>
+        </p:txBody>
+      </p:sp>
+      <p:sp>
+        <p:nvSpPr>
+          <p:cNvPr id="4" name="Date Placeholder 3"/>
           <p:cNvSpPr>
             <a:spLocks noGrp="1"/>
           </p:cNvSpPr>
@@ -261,7 +248,7 @@
           <a:p>
             <a:fld id="{4435414B-ADD2-43DE-9D73-0125DC6028B1}" type="datetimeFigureOut">
               <a:rPr lang="en-US" smtClean="0"/>
-              <a:t>7/25/2022</a:t>
+              <a:t>9/27/2022</a:t>
             </a:fld>
             <a:endParaRPr lang="en-US"/>
           </a:p>
@@ -269,13 +256,7 @@
       </p:sp>
       <p:sp>
         <p:nvSpPr>
-          <p:cNvPr id="5" name="Footer Placeholder 4">
-            <a:extLst>
-              <a:ext uri="{FF2B5EF4-FFF2-40B4-BE49-F238E27FC236}">
-                <a16:creationId xmlns:a16="http://schemas.microsoft.com/office/drawing/2014/main" id="{007BD7CA-4AA2-C3CB-157A-497A246998BC}"/>
-              </a:ext>
-            </a:extLst>
-          </p:cNvPr>
+          <p:cNvPr id="5" name="Footer Placeholder 4"/>
           <p:cNvSpPr>
             <a:spLocks noGrp="1"/>
           </p:cNvSpPr>
@@ -294,13 +275,7 @@
       </p:sp>
       <p:sp>
         <p:nvSpPr>
-          <p:cNvPr id="6" name="Slide Number Placeholder 5">
-            <a:extLst>
-              <a:ext uri="{FF2B5EF4-FFF2-40B4-BE49-F238E27FC236}">
-                <a16:creationId xmlns:a16="http://schemas.microsoft.com/office/drawing/2014/main" id="{A2953F11-A1DF-0FA2-B0DE-509F2E9D9C70}"/>
-              </a:ext>
-            </a:extLst>
-          </p:cNvPr>
+          <p:cNvPr id="6" name="Slide Number Placeholder 5"/>
           <p:cNvSpPr>
             <a:spLocks noGrp="1"/>
           </p:cNvSpPr>
@@ -324,7 +299,7 @@
     </p:spTree>
     <p:extLst>
       <p:ext uri="{BB962C8B-B14F-4D97-AF65-F5344CB8AC3E}">
-        <p14:creationId xmlns:p14="http://schemas.microsoft.com/office/powerpoint/2010/main" val="2617768692"/>
+        <p14:creationId xmlns:p14="http://schemas.microsoft.com/office/powerpoint/2010/main" val="3399257446"/>
       </p:ext>
     </p:extLst>
   </p:cSld>
@@ -353,13 +328,7 @@
       </p:grpSpPr>
       <p:sp>
         <p:nvSpPr>
-          <p:cNvPr id="2" name="Title 1">
-            <a:extLst>
-              <a:ext uri="{FF2B5EF4-FFF2-40B4-BE49-F238E27FC236}">
-                <a16:creationId xmlns:a16="http://schemas.microsoft.com/office/drawing/2014/main" id="{26E7EB79-31FA-7C4A-EF7E-A2A1A385936D}"/>
-              </a:ext>
-            </a:extLst>
-          </p:cNvPr>
+          <p:cNvPr id="2" name="Title 1"/>
           <p:cNvSpPr>
             <a:spLocks noGrp="1"/>
           </p:cNvSpPr>
@@ -376,18 +345,13 @@
               <a:rPr lang="en-US"/>
               <a:t>Click to edit Master title style</a:t>
             </a:r>
-          </a:p>
-        </p:txBody>
-      </p:sp>
-      <p:sp>
-        <p:nvSpPr>
-          <p:cNvPr id="3" name="Vertical Text Placeholder 2">
-            <a:extLst>
-              <a:ext uri="{FF2B5EF4-FFF2-40B4-BE49-F238E27FC236}">
-                <a16:creationId xmlns:a16="http://schemas.microsoft.com/office/drawing/2014/main" id="{8FBDD0F2-CF60-F9D5-E840-ACD53BD0ECA6}"/>
-              </a:ext>
-            </a:extLst>
-          </p:cNvPr>
+            <a:endParaRPr lang="en-US" dirty="0"/>
+          </a:p>
+        </p:txBody>
+      </p:sp>
+      <p:sp>
+        <p:nvSpPr>
+          <p:cNvPr id="3" name="Vertical Text Placeholder 2"/>
           <p:cNvSpPr>
             <a:spLocks noGrp="1"/>
           </p:cNvSpPr>
@@ -433,18 +397,13 @@
               <a:rPr lang="en-US"/>
               <a:t>Fifth level</a:t>
             </a:r>
-          </a:p>
-        </p:txBody>
-      </p:sp>
-      <p:sp>
-        <p:nvSpPr>
-          <p:cNvPr id="4" name="Date Placeholder 3">
-            <a:extLst>
-              <a:ext uri="{FF2B5EF4-FFF2-40B4-BE49-F238E27FC236}">
-                <a16:creationId xmlns:a16="http://schemas.microsoft.com/office/drawing/2014/main" id="{BF40C2DA-FBE4-D91D-6DA5-23834DB8EB29}"/>
-              </a:ext>
-            </a:extLst>
-          </p:cNvPr>
+            <a:endParaRPr lang="en-US" dirty="0"/>
+          </a:p>
+        </p:txBody>
+      </p:sp>
+      <p:sp>
+        <p:nvSpPr>
+          <p:cNvPr id="4" name="Date Placeholder 3"/>
           <p:cNvSpPr>
             <a:spLocks noGrp="1"/>
           </p:cNvSpPr>
@@ -459,7 +418,7 @@
           <a:p>
             <a:fld id="{4435414B-ADD2-43DE-9D73-0125DC6028B1}" type="datetimeFigureOut">
               <a:rPr lang="en-US" smtClean="0"/>
-              <a:t>7/25/2022</a:t>
+              <a:t>9/27/2022</a:t>
             </a:fld>
             <a:endParaRPr lang="en-US"/>
           </a:p>
@@ -467,13 +426,7 @@
       </p:sp>
       <p:sp>
         <p:nvSpPr>
-          <p:cNvPr id="5" name="Footer Placeholder 4">
-            <a:extLst>
-              <a:ext uri="{FF2B5EF4-FFF2-40B4-BE49-F238E27FC236}">
-                <a16:creationId xmlns:a16="http://schemas.microsoft.com/office/drawing/2014/main" id="{8976CDF2-08A1-762A-0AC4-58A0AF0664FE}"/>
-              </a:ext>
-            </a:extLst>
-          </p:cNvPr>
+          <p:cNvPr id="5" name="Footer Placeholder 4"/>
           <p:cNvSpPr>
             <a:spLocks noGrp="1"/>
           </p:cNvSpPr>
@@ -492,13 +445,7 @@
       </p:sp>
       <p:sp>
         <p:nvSpPr>
-          <p:cNvPr id="6" name="Slide Number Placeholder 5">
-            <a:extLst>
-              <a:ext uri="{FF2B5EF4-FFF2-40B4-BE49-F238E27FC236}">
-                <a16:creationId xmlns:a16="http://schemas.microsoft.com/office/drawing/2014/main" id="{9C9E75E2-FBD0-77FB-E909-E1CC447B3FD3}"/>
-              </a:ext>
-            </a:extLst>
-          </p:cNvPr>
+          <p:cNvPr id="6" name="Slide Number Placeholder 5"/>
           <p:cNvSpPr>
             <a:spLocks noGrp="1"/>
           </p:cNvSpPr>
@@ -522,7 +469,7 @@
     </p:spTree>
     <p:extLst>
       <p:ext uri="{BB962C8B-B14F-4D97-AF65-F5344CB8AC3E}">
-        <p14:creationId xmlns:p14="http://schemas.microsoft.com/office/powerpoint/2010/main" val="4058417180"/>
+        <p14:creationId xmlns:p14="http://schemas.microsoft.com/office/powerpoint/2010/main" val="2640687922"/>
       </p:ext>
     </p:extLst>
   </p:cSld>
@@ -551,13 +498,7 @@
       </p:grpSpPr>
       <p:sp>
         <p:nvSpPr>
-          <p:cNvPr id="2" name="Vertical Title 1">
-            <a:extLst>
-              <a:ext uri="{FF2B5EF4-FFF2-40B4-BE49-F238E27FC236}">
-                <a16:creationId xmlns:a16="http://schemas.microsoft.com/office/drawing/2014/main" id="{28CED532-45D9-2FCF-62C8-2C680B53BE1C}"/>
-              </a:ext>
-            </a:extLst>
-          </p:cNvPr>
+          <p:cNvPr id="2" name="Vertical Title 1"/>
           <p:cNvSpPr>
             <a:spLocks noGrp="1"/>
           </p:cNvSpPr>
@@ -567,8 +508,8 @@
         </p:nvSpPr>
         <p:spPr>
           <a:xfrm>
-            <a:off x="8724900" y="365125"/>
-            <a:ext cx="2628900" cy="5811838"/>
+            <a:off x="8724901" y="827617"/>
+            <a:ext cx="2628900" cy="13173499"/>
           </a:xfrm>
         </p:spPr>
         <p:txBody>
@@ -579,18 +520,13 @@
               <a:rPr lang="en-US"/>
               <a:t>Click to edit Master title style</a:t>
             </a:r>
-          </a:p>
-        </p:txBody>
-      </p:sp>
-      <p:sp>
-        <p:nvSpPr>
-          <p:cNvPr id="3" name="Vertical Text Placeholder 2">
-            <a:extLst>
-              <a:ext uri="{FF2B5EF4-FFF2-40B4-BE49-F238E27FC236}">
-                <a16:creationId xmlns:a16="http://schemas.microsoft.com/office/drawing/2014/main" id="{431C96AC-5129-B0C0-782B-07A5E260F6E2}"/>
-              </a:ext>
-            </a:extLst>
-          </p:cNvPr>
+            <a:endParaRPr lang="en-US" dirty="0"/>
+          </a:p>
+        </p:txBody>
+      </p:sp>
+      <p:sp>
+        <p:nvSpPr>
+          <p:cNvPr id="3" name="Vertical Text Placeholder 2"/>
           <p:cNvSpPr>
             <a:spLocks noGrp="1"/>
           </p:cNvSpPr>
@@ -600,8 +536,8 @@
         </p:nvSpPr>
         <p:spPr>
           <a:xfrm>
-            <a:off x="838200" y="365125"/>
-            <a:ext cx="7734300" cy="5811838"/>
+            <a:off x="838201" y="827617"/>
+            <a:ext cx="7734300" cy="13173499"/>
           </a:xfrm>
         </p:spPr>
         <p:txBody>
@@ -641,18 +577,13 @@
               <a:rPr lang="en-US"/>
               <a:t>Fifth level</a:t>
             </a:r>
-          </a:p>
-        </p:txBody>
-      </p:sp>
-      <p:sp>
-        <p:nvSpPr>
-          <p:cNvPr id="4" name="Date Placeholder 3">
-            <a:extLst>
-              <a:ext uri="{FF2B5EF4-FFF2-40B4-BE49-F238E27FC236}">
-                <a16:creationId xmlns:a16="http://schemas.microsoft.com/office/drawing/2014/main" id="{8D1485DC-5693-C18A-451E-BE09CE222DEA}"/>
-              </a:ext>
-            </a:extLst>
-          </p:cNvPr>
+            <a:endParaRPr lang="en-US" dirty="0"/>
+          </a:p>
+        </p:txBody>
+      </p:sp>
+      <p:sp>
+        <p:nvSpPr>
+          <p:cNvPr id="4" name="Date Placeholder 3"/>
           <p:cNvSpPr>
             <a:spLocks noGrp="1"/>
           </p:cNvSpPr>
@@ -667,7 +598,7 @@
           <a:p>
             <a:fld id="{4435414B-ADD2-43DE-9D73-0125DC6028B1}" type="datetimeFigureOut">
               <a:rPr lang="en-US" smtClean="0"/>
-              <a:t>7/25/2022</a:t>
+              <a:t>9/27/2022</a:t>
             </a:fld>
             <a:endParaRPr lang="en-US"/>
           </a:p>
@@ -675,13 +606,7 @@
       </p:sp>
       <p:sp>
         <p:nvSpPr>
-          <p:cNvPr id="5" name="Footer Placeholder 4">
-            <a:extLst>
-              <a:ext uri="{FF2B5EF4-FFF2-40B4-BE49-F238E27FC236}">
-                <a16:creationId xmlns:a16="http://schemas.microsoft.com/office/drawing/2014/main" id="{46A65D46-4C7A-095F-54B6-B0E2EA111F6A}"/>
-              </a:ext>
-            </a:extLst>
-          </p:cNvPr>
+          <p:cNvPr id="5" name="Footer Placeholder 4"/>
           <p:cNvSpPr>
             <a:spLocks noGrp="1"/>
           </p:cNvSpPr>
@@ -700,13 +625,7 @@
       </p:sp>
       <p:sp>
         <p:nvSpPr>
-          <p:cNvPr id="6" name="Slide Number Placeholder 5">
-            <a:extLst>
-              <a:ext uri="{FF2B5EF4-FFF2-40B4-BE49-F238E27FC236}">
-                <a16:creationId xmlns:a16="http://schemas.microsoft.com/office/drawing/2014/main" id="{9A7B6D14-C5B3-97C5-0703-7BF075810838}"/>
-              </a:ext>
-            </a:extLst>
-          </p:cNvPr>
+          <p:cNvPr id="6" name="Slide Number Placeholder 5"/>
           <p:cNvSpPr>
             <a:spLocks noGrp="1"/>
           </p:cNvSpPr>
@@ -730,7 +649,7 @@
     </p:spTree>
     <p:extLst>
       <p:ext uri="{BB962C8B-B14F-4D97-AF65-F5344CB8AC3E}">
-        <p14:creationId xmlns:p14="http://schemas.microsoft.com/office/powerpoint/2010/main" val="1677706828"/>
+        <p14:creationId xmlns:p14="http://schemas.microsoft.com/office/powerpoint/2010/main" val="2048803494"/>
       </p:ext>
     </p:extLst>
   </p:cSld>
@@ -759,13 +678,7 @@
       </p:grpSpPr>
       <p:sp>
         <p:nvSpPr>
-          <p:cNvPr id="2" name="Title 1">
-            <a:extLst>
-              <a:ext uri="{FF2B5EF4-FFF2-40B4-BE49-F238E27FC236}">
-                <a16:creationId xmlns:a16="http://schemas.microsoft.com/office/drawing/2014/main" id="{0AA6CB62-DE5F-45EF-18BB-3B69B43144A3}"/>
-              </a:ext>
-            </a:extLst>
-          </p:cNvPr>
+          <p:cNvPr id="2" name="Title 1"/>
           <p:cNvSpPr>
             <a:spLocks noGrp="1"/>
           </p:cNvSpPr>
@@ -782,18 +695,13 @@
               <a:rPr lang="en-US"/>
               <a:t>Click to edit Master title style</a:t>
             </a:r>
-          </a:p>
-        </p:txBody>
-      </p:sp>
-      <p:sp>
-        <p:nvSpPr>
-          <p:cNvPr id="3" name="Content Placeholder 2">
-            <a:extLst>
-              <a:ext uri="{FF2B5EF4-FFF2-40B4-BE49-F238E27FC236}">
-                <a16:creationId xmlns:a16="http://schemas.microsoft.com/office/drawing/2014/main" id="{CD14D4EE-526E-1D28-E13B-37F4052296EF}"/>
-              </a:ext>
-            </a:extLst>
-          </p:cNvPr>
+            <a:endParaRPr lang="en-US" dirty="0"/>
+          </a:p>
+        </p:txBody>
+      </p:sp>
+      <p:sp>
+        <p:nvSpPr>
+          <p:cNvPr id="3" name="Content Placeholder 2"/>
           <p:cNvSpPr>
             <a:spLocks noGrp="1"/>
           </p:cNvSpPr>
@@ -839,18 +747,13 @@
               <a:rPr lang="en-US"/>
               <a:t>Fifth level</a:t>
             </a:r>
-          </a:p>
-        </p:txBody>
-      </p:sp>
-      <p:sp>
-        <p:nvSpPr>
-          <p:cNvPr id="4" name="Date Placeholder 3">
-            <a:extLst>
-              <a:ext uri="{FF2B5EF4-FFF2-40B4-BE49-F238E27FC236}">
-                <a16:creationId xmlns:a16="http://schemas.microsoft.com/office/drawing/2014/main" id="{B56FAC04-4829-2C5C-636C-7B337D6438BD}"/>
-              </a:ext>
-            </a:extLst>
-          </p:cNvPr>
+            <a:endParaRPr lang="en-US" dirty="0"/>
+          </a:p>
+        </p:txBody>
+      </p:sp>
+      <p:sp>
+        <p:nvSpPr>
+          <p:cNvPr id="4" name="Date Placeholder 3"/>
           <p:cNvSpPr>
             <a:spLocks noGrp="1"/>
           </p:cNvSpPr>
@@ -865,7 +768,7 @@
           <a:p>
             <a:fld id="{4435414B-ADD2-43DE-9D73-0125DC6028B1}" type="datetimeFigureOut">
               <a:rPr lang="en-US" smtClean="0"/>
-              <a:t>7/25/2022</a:t>
+              <a:t>9/27/2022</a:t>
             </a:fld>
             <a:endParaRPr lang="en-US"/>
           </a:p>
@@ -873,13 +776,7 @@
       </p:sp>
       <p:sp>
         <p:nvSpPr>
-          <p:cNvPr id="5" name="Footer Placeholder 4">
-            <a:extLst>
-              <a:ext uri="{FF2B5EF4-FFF2-40B4-BE49-F238E27FC236}">
-                <a16:creationId xmlns:a16="http://schemas.microsoft.com/office/drawing/2014/main" id="{A0074B06-9557-05FD-5C4B-D84C76EAFF9C}"/>
-              </a:ext>
-            </a:extLst>
-          </p:cNvPr>
+          <p:cNvPr id="5" name="Footer Placeholder 4"/>
           <p:cNvSpPr>
             <a:spLocks noGrp="1"/>
           </p:cNvSpPr>
@@ -898,13 +795,7 @@
       </p:sp>
       <p:sp>
         <p:nvSpPr>
-          <p:cNvPr id="6" name="Slide Number Placeholder 5">
-            <a:extLst>
-              <a:ext uri="{FF2B5EF4-FFF2-40B4-BE49-F238E27FC236}">
-                <a16:creationId xmlns:a16="http://schemas.microsoft.com/office/drawing/2014/main" id="{215C32C6-79F2-3506-2FF9-4BD631C285E6}"/>
-              </a:ext>
-            </a:extLst>
-          </p:cNvPr>
+          <p:cNvPr id="6" name="Slide Number Placeholder 5"/>
           <p:cNvSpPr>
             <a:spLocks noGrp="1"/>
           </p:cNvSpPr>
@@ -928,7 +819,7 @@
     </p:spTree>
     <p:extLst>
       <p:ext uri="{BB962C8B-B14F-4D97-AF65-F5344CB8AC3E}">
-        <p14:creationId xmlns:p14="http://schemas.microsoft.com/office/powerpoint/2010/main" val="1503256171"/>
+        <p14:creationId xmlns:p14="http://schemas.microsoft.com/office/powerpoint/2010/main" val="1194810450"/>
       </p:ext>
     </p:extLst>
   </p:cSld>
@@ -957,13 +848,7 @@
       </p:grpSpPr>
       <p:sp>
         <p:nvSpPr>
-          <p:cNvPr id="2" name="Title 1">
-            <a:extLst>
-              <a:ext uri="{FF2B5EF4-FFF2-40B4-BE49-F238E27FC236}">
-                <a16:creationId xmlns:a16="http://schemas.microsoft.com/office/drawing/2014/main" id="{F0ED7D86-2AD7-B347-5D02-A588EF5744C0}"/>
-              </a:ext>
-            </a:extLst>
-          </p:cNvPr>
+          <p:cNvPr id="2" name="Title 1"/>
           <p:cNvSpPr>
             <a:spLocks noGrp="1"/>
           </p:cNvSpPr>
@@ -973,15 +858,15 @@
         </p:nvSpPr>
         <p:spPr>
           <a:xfrm>
-            <a:off x="831850" y="1709738"/>
-            <a:ext cx="10515600" cy="2852737"/>
+            <a:off x="831851" y="3875409"/>
+            <a:ext cx="10515600" cy="6466204"/>
           </a:xfrm>
         </p:spPr>
         <p:txBody>
           <a:bodyPr anchor="b"/>
           <a:lstStyle>
             <a:lvl1pPr>
-              <a:defRPr sz="6000"/>
+              <a:defRPr sz="8000"/>
             </a:lvl1pPr>
           </a:lstStyle>
           <a:p>
@@ -989,18 +874,13 @@
               <a:rPr lang="en-US"/>
               <a:t>Click to edit Master title style</a:t>
             </a:r>
-          </a:p>
-        </p:txBody>
-      </p:sp>
-      <p:sp>
-        <p:nvSpPr>
-          <p:cNvPr id="3" name="Text Placeholder 2">
-            <a:extLst>
-              <a:ext uri="{FF2B5EF4-FFF2-40B4-BE49-F238E27FC236}">
-                <a16:creationId xmlns:a16="http://schemas.microsoft.com/office/drawing/2014/main" id="{93FEA971-D587-878F-C857-9CF3B8C2EB36}"/>
-              </a:ext>
-            </a:extLst>
-          </p:cNvPr>
+            <a:endParaRPr lang="en-US" dirty="0"/>
+          </a:p>
+        </p:txBody>
+      </p:sp>
+      <p:sp>
+        <p:nvSpPr>
+          <p:cNvPr id="3" name="Text Placeholder 2"/>
           <p:cNvSpPr>
             <a:spLocks noGrp="1"/>
           </p:cNvSpPr>
@@ -1010,14 +890,32 @@
         </p:nvSpPr>
         <p:spPr>
           <a:xfrm>
-            <a:off x="831850" y="4589463"/>
-            <a:ext cx="10515600" cy="1500187"/>
+            <a:off x="831851" y="10402786"/>
+            <a:ext cx="10515600" cy="3400424"/>
           </a:xfrm>
         </p:spPr>
         <p:txBody>
           <a:bodyPr/>
           <a:lstStyle>
             <a:lvl1pPr marL="0" indent="0">
+              <a:buNone/>
+              <a:defRPr sz="3200">
+                <a:solidFill>
+                  <a:schemeClr val="tx1"/>
+                </a:solidFill>
+              </a:defRPr>
+            </a:lvl1pPr>
+            <a:lvl2pPr marL="609585" indent="0">
+              <a:buNone/>
+              <a:defRPr sz="2667">
+                <a:solidFill>
+                  <a:schemeClr val="tx1">
+                    <a:tint val="75000"/>
+                  </a:schemeClr>
+                </a:solidFill>
+              </a:defRPr>
+            </a:lvl2pPr>
+            <a:lvl3pPr marL="1219170" indent="0">
               <a:buNone/>
               <a:defRPr sz="2400">
                 <a:solidFill>
@@ -1026,30 +924,10 @@
                   </a:schemeClr>
                 </a:solidFill>
               </a:defRPr>
-            </a:lvl1pPr>
-            <a:lvl2pPr marL="457200" indent="0">
-              <a:buNone/>
-              <a:defRPr sz="2000">
-                <a:solidFill>
-                  <a:schemeClr val="tx1">
-                    <a:tint val="75000"/>
-                  </a:schemeClr>
-                </a:solidFill>
-              </a:defRPr>
-            </a:lvl2pPr>
-            <a:lvl3pPr marL="914400" indent="0">
-              <a:buNone/>
-              <a:defRPr sz="1800">
-                <a:solidFill>
-                  <a:schemeClr val="tx1">
-                    <a:tint val="75000"/>
-                  </a:schemeClr>
-                </a:solidFill>
-              </a:defRPr>
             </a:lvl3pPr>
-            <a:lvl4pPr marL="1371600" indent="0">
-              <a:buNone/>
-              <a:defRPr sz="1600">
+            <a:lvl4pPr marL="1828754" indent="0">
+              <a:buNone/>
+              <a:defRPr sz="2133">
                 <a:solidFill>
                   <a:schemeClr val="tx1">
                     <a:tint val="75000"/>
@@ -1057,9 +935,9 @@
                 </a:solidFill>
               </a:defRPr>
             </a:lvl4pPr>
-            <a:lvl5pPr marL="1828800" indent="0">
-              <a:buNone/>
-              <a:defRPr sz="1600">
+            <a:lvl5pPr marL="2438339" indent="0">
+              <a:buNone/>
+              <a:defRPr sz="2133">
                 <a:solidFill>
                   <a:schemeClr val="tx1">
                     <a:tint val="75000"/>
@@ -1067,9 +945,9 @@
                 </a:solidFill>
               </a:defRPr>
             </a:lvl5pPr>
-            <a:lvl6pPr marL="2286000" indent="0">
-              <a:buNone/>
-              <a:defRPr sz="1600">
+            <a:lvl6pPr marL="3047924" indent="0">
+              <a:buNone/>
+              <a:defRPr sz="2133">
                 <a:solidFill>
                   <a:schemeClr val="tx1">
                     <a:tint val="75000"/>
@@ -1077,9 +955,9 @@
                 </a:solidFill>
               </a:defRPr>
             </a:lvl6pPr>
-            <a:lvl7pPr marL="2743200" indent="0">
-              <a:buNone/>
-              <a:defRPr sz="1600">
+            <a:lvl7pPr marL="3657509" indent="0">
+              <a:buNone/>
+              <a:defRPr sz="2133">
                 <a:solidFill>
                   <a:schemeClr val="tx1">
                     <a:tint val="75000"/>
@@ -1087,9 +965,9 @@
                 </a:solidFill>
               </a:defRPr>
             </a:lvl7pPr>
-            <a:lvl8pPr marL="3200400" indent="0">
-              <a:buNone/>
-              <a:defRPr sz="1600">
+            <a:lvl8pPr marL="4267093" indent="0">
+              <a:buNone/>
+              <a:defRPr sz="2133">
                 <a:solidFill>
                   <a:schemeClr val="tx1">
                     <a:tint val="75000"/>
@@ -1097,9 +975,9 @@
                 </a:solidFill>
               </a:defRPr>
             </a:lvl8pPr>
-            <a:lvl9pPr marL="3657600" indent="0">
-              <a:buNone/>
-              <a:defRPr sz="1600">
+            <a:lvl9pPr marL="4876678" indent="0">
+              <a:buNone/>
+              <a:defRPr sz="2133">
                 <a:solidFill>
                   <a:schemeClr val="tx1">
                     <a:tint val="75000"/>
@@ -1119,13 +997,7 @@
       </p:sp>
       <p:sp>
         <p:nvSpPr>
-          <p:cNvPr id="4" name="Date Placeholder 3">
-            <a:extLst>
-              <a:ext uri="{FF2B5EF4-FFF2-40B4-BE49-F238E27FC236}">
-                <a16:creationId xmlns:a16="http://schemas.microsoft.com/office/drawing/2014/main" id="{B8EEF2D1-2048-D6D6-296A-92C42E0C5979}"/>
-              </a:ext>
-            </a:extLst>
-          </p:cNvPr>
+          <p:cNvPr id="4" name="Date Placeholder 3"/>
           <p:cNvSpPr>
             <a:spLocks noGrp="1"/>
           </p:cNvSpPr>
@@ -1140,7 +1012,7 @@
           <a:p>
             <a:fld id="{4435414B-ADD2-43DE-9D73-0125DC6028B1}" type="datetimeFigureOut">
               <a:rPr lang="en-US" smtClean="0"/>
-              <a:t>7/25/2022</a:t>
+              <a:t>9/27/2022</a:t>
             </a:fld>
             <a:endParaRPr lang="en-US"/>
           </a:p>
@@ -1148,13 +1020,7 @@
       </p:sp>
       <p:sp>
         <p:nvSpPr>
-          <p:cNvPr id="5" name="Footer Placeholder 4">
-            <a:extLst>
-              <a:ext uri="{FF2B5EF4-FFF2-40B4-BE49-F238E27FC236}">
-                <a16:creationId xmlns:a16="http://schemas.microsoft.com/office/drawing/2014/main" id="{33B28456-B727-539C-D5E3-5F81C661B362}"/>
-              </a:ext>
-            </a:extLst>
-          </p:cNvPr>
+          <p:cNvPr id="5" name="Footer Placeholder 4"/>
           <p:cNvSpPr>
             <a:spLocks noGrp="1"/>
           </p:cNvSpPr>
@@ -1173,13 +1039,7 @@
       </p:sp>
       <p:sp>
         <p:nvSpPr>
-          <p:cNvPr id="6" name="Slide Number Placeholder 5">
-            <a:extLst>
-              <a:ext uri="{FF2B5EF4-FFF2-40B4-BE49-F238E27FC236}">
-                <a16:creationId xmlns:a16="http://schemas.microsoft.com/office/drawing/2014/main" id="{F2384FFF-FB11-E591-7F47-23FBCC1850C1}"/>
-              </a:ext>
-            </a:extLst>
-          </p:cNvPr>
+          <p:cNvPr id="6" name="Slide Number Placeholder 5"/>
           <p:cNvSpPr>
             <a:spLocks noGrp="1"/>
           </p:cNvSpPr>
@@ -1203,7 +1063,7 @@
     </p:spTree>
     <p:extLst>
       <p:ext uri="{BB962C8B-B14F-4D97-AF65-F5344CB8AC3E}">
-        <p14:creationId xmlns:p14="http://schemas.microsoft.com/office/powerpoint/2010/main" val="4168175061"/>
+        <p14:creationId xmlns:p14="http://schemas.microsoft.com/office/powerpoint/2010/main" val="1800768928"/>
       </p:ext>
     </p:extLst>
   </p:cSld>
@@ -1232,13 +1092,7 @@
       </p:grpSpPr>
       <p:sp>
         <p:nvSpPr>
-          <p:cNvPr id="2" name="Title 1">
-            <a:extLst>
-              <a:ext uri="{FF2B5EF4-FFF2-40B4-BE49-F238E27FC236}">
-                <a16:creationId xmlns:a16="http://schemas.microsoft.com/office/drawing/2014/main" id="{CBB2FFAC-853E-A619-5B27-661C97DD7E2A}"/>
-              </a:ext>
-            </a:extLst>
-          </p:cNvPr>
+          <p:cNvPr id="2" name="Title 1"/>
           <p:cNvSpPr>
             <a:spLocks noGrp="1"/>
           </p:cNvSpPr>
@@ -1255,18 +1109,13 @@
               <a:rPr lang="en-US"/>
               <a:t>Click to edit Master title style</a:t>
             </a:r>
-          </a:p>
-        </p:txBody>
-      </p:sp>
-      <p:sp>
-        <p:nvSpPr>
-          <p:cNvPr id="3" name="Content Placeholder 2">
-            <a:extLst>
-              <a:ext uri="{FF2B5EF4-FFF2-40B4-BE49-F238E27FC236}">
-                <a16:creationId xmlns:a16="http://schemas.microsoft.com/office/drawing/2014/main" id="{35716DD4-50E5-25AA-0EFD-C4ABD7D55BF0}"/>
-              </a:ext>
-            </a:extLst>
-          </p:cNvPr>
+            <a:endParaRPr lang="en-US" dirty="0"/>
+          </a:p>
+        </p:txBody>
+      </p:sp>
+      <p:sp>
+        <p:nvSpPr>
+          <p:cNvPr id="3" name="Content Placeholder 2"/>
           <p:cNvSpPr>
             <a:spLocks noGrp="1"/>
           </p:cNvSpPr>
@@ -1276,8 +1125,8 @@
         </p:nvSpPr>
         <p:spPr>
           <a:xfrm>
-            <a:off x="838200" y="1825625"/>
-            <a:ext cx="5181600" cy="4351338"/>
+            <a:off x="838200" y="4138083"/>
+            <a:ext cx="5181600" cy="9863033"/>
           </a:xfrm>
         </p:spPr>
         <p:txBody>
@@ -1317,18 +1166,13 @@
               <a:rPr lang="en-US"/>
               <a:t>Fifth level</a:t>
             </a:r>
-          </a:p>
-        </p:txBody>
-      </p:sp>
-      <p:sp>
-        <p:nvSpPr>
-          <p:cNvPr id="4" name="Content Placeholder 3">
-            <a:extLst>
-              <a:ext uri="{FF2B5EF4-FFF2-40B4-BE49-F238E27FC236}">
-                <a16:creationId xmlns:a16="http://schemas.microsoft.com/office/drawing/2014/main" id="{3AD730F5-118D-E634-AEB7-0C2077F93CE0}"/>
-              </a:ext>
-            </a:extLst>
-          </p:cNvPr>
+            <a:endParaRPr lang="en-US" dirty="0"/>
+          </a:p>
+        </p:txBody>
+      </p:sp>
+      <p:sp>
+        <p:nvSpPr>
+          <p:cNvPr id="4" name="Content Placeholder 3"/>
           <p:cNvSpPr>
             <a:spLocks noGrp="1"/>
           </p:cNvSpPr>
@@ -1338,8 +1182,8 @@
         </p:nvSpPr>
         <p:spPr>
           <a:xfrm>
-            <a:off x="6172200" y="1825625"/>
-            <a:ext cx="5181600" cy="4351338"/>
+            <a:off x="6172200" y="4138083"/>
+            <a:ext cx="5181600" cy="9863033"/>
           </a:xfrm>
         </p:spPr>
         <p:txBody>
@@ -1379,18 +1223,13 @@
               <a:rPr lang="en-US"/>
               <a:t>Fifth level</a:t>
             </a:r>
-          </a:p>
-        </p:txBody>
-      </p:sp>
-      <p:sp>
-        <p:nvSpPr>
-          <p:cNvPr id="5" name="Date Placeholder 4">
-            <a:extLst>
-              <a:ext uri="{FF2B5EF4-FFF2-40B4-BE49-F238E27FC236}">
-                <a16:creationId xmlns:a16="http://schemas.microsoft.com/office/drawing/2014/main" id="{AB2386BF-AA15-ADF2-EE57-046430182723}"/>
-              </a:ext>
-            </a:extLst>
-          </p:cNvPr>
+            <a:endParaRPr lang="en-US" dirty="0"/>
+          </a:p>
+        </p:txBody>
+      </p:sp>
+      <p:sp>
+        <p:nvSpPr>
+          <p:cNvPr id="5" name="Date Placeholder 4"/>
           <p:cNvSpPr>
             <a:spLocks noGrp="1"/>
           </p:cNvSpPr>
@@ -1405,7 +1244,7 @@
           <a:p>
             <a:fld id="{4435414B-ADD2-43DE-9D73-0125DC6028B1}" type="datetimeFigureOut">
               <a:rPr lang="en-US" smtClean="0"/>
-              <a:t>7/25/2022</a:t>
+              <a:t>9/27/2022</a:t>
             </a:fld>
             <a:endParaRPr lang="en-US"/>
           </a:p>
@@ -1413,13 +1252,7 @@
       </p:sp>
       <p:sp>
         <p:nvSpPr>
-          <p:cNvPr id="6" name="Footer Placeholder 5">
-            <a:extLst>
-              <a:ext uri="{FF2B5EF4-FFF2-40B4-BE49-F238E27FC236}">
-                <a16:creationId xmlns:a16="http://schemas.microsoft.com/office/drawing/2014/main" id="{E9BF6900-65FC-9E81-B993-F2FE24588747}"/>
-              </a:ext>
-            </a:extLst>
-          </p:cNvPr>
+          <p:cNvPr id="6" name="Footer Placeholder 5"/>
           <p:cNvSpPr>
             <a:spLocks noGrp="1"/>
           </p:cNvSpPr>
@@ -1438,13 +1271,7 @@
       </p:sp>
       <p:sp>
         <p:nvSpPr>
-          <p:cNvPr id="7" name="Slide Number Placeholder 6">
-            <a:extLst>
-              <a:ext uri="{FF2B5EF4-FFF2-40B4-BE49-F238E27FC236}">
-                <a16:creationId xmlns:a16="http://schemas.microsoft.com/office/drawing/2014/main" id="{57044CB8-7FA1-9539-99E3-C2EAE117540A}"/>
-              </a:ext>
-            </a:extLst>
-          </p:cNvPr>
+          <p:cNvPr id="7" name="Slide Number Placeholder 6"/>
           <p:cNvSpPr>
             <a:spLocks noGrp="1"/>
           </p:cNvSpPr>
@@ -1468,7 +1295,7 @@
     </p:spTree>
     <p:extLst>
       <p:ext uri="{BB962C8B-B14F-4D97-AF65-F5344CB8AC3E}">
-        <p14:creationId xmlns:p14="http://schemas.microsoft.com/office/powerpoint/2010/main" val="41971884"/>
+        <p14:creationId xmlns:p14="http://schemas.microsoft.com/office/powerpoint/2010/main" val="1261923495"/>
       </p:ext>
     </p:extLst>
   </p:cSld>
@@ -1497,13 +1324,7 @@
       </p:grpSpPr>
       <p:sp>
         <p:nvSpPr>
-          <p:cNvPr id="2" name="Title 1">
-            <a:extLst>
-              <a:ext uri="{FF2B5EF4-FFF2-40B4-BE49-F238E27FC236}">
-                <a16:creationId xmlns:a16="http://schemas.microsoft.com/office/drawing/2014/main" id="{1AED53A0-0E82-9770-DCF0-730BB54A9480}"/>
-              </a:ext>
-            </a:extLst>
-          </p:cNvPr>
+          <p:cNvPr id="2" name="Title 1"/>
           <p:cNvSpPr>
             <a:spLocks noGrp="1"/>
           </p:cNvSpPr>
@@ -1513,8 +1334,8 @@
         </p:nvSpPr>
         <p:spPr>
           <a:xfrm>
-            <a:off x="839788" y="365125"/>
-            <a:ext cx="10515600" cy="1325563"/>
+            <a:off x="839788" y="827620"/>
+            <a:ext cx="10515600" cy="3004609"/>
           </a:xfrm>
         </p:spPr>
         <p:txBody>
@@ -1525,18 +1346,13 @@
               <a:rPr lang="en-US"/>
               <a:t>Click to edit Master title style</a:t>
             </a:r>
-          </a:p>
-        </p:txBody>
-      </p:sp>
-      <p:sp>
-        <p:nvSpPr>
-          <p:cNvPr id="3" name="Text Placeholder 2">
-            <a:extLst>
-              <a:ext uri="{FF2B5EF4-FFF2-40B4-BE49-F238E27FC236}">
-                <a16:creationId xmlns:a16="http://schemas.microsoft.com/office/drawing/2014/main" id="{72D31326-AFBB-965E-3862-9B5BAA59073C}"/>
-              </a:ext>
-            </a:extLst>
-          </p:cNvPr>
+            <a:endParaRPr lang="en-US" dirty="0"/>
+          </a:p>
+        </p:txBody>
+      </p:sp>
+      <p:sp>
+        <p:nvSpPr>
+          <p:cNvPr id="3" name="Text Placeholder 2"/>
           <p:cNvSpPr>
             <a:spLocks noGrp="1"/>
           </p:cNvSpPr>
@@ -1546,8 +1362,8 @@
         </p:nvSpPr>
         <p:spPr>
           <a:xfrm>
-            <a:off x="839788" y="1681163"/>
-            <a:ext cx="5157787" cy="823912"/>
+            <a:off x="839789" y="3810636"/>
+            <a:ext cx="5157787" cy="1867534"/>
           </a:xfrm>
         </p:spPr>
         <p:txBody>
@@ -1555,39 +1371,39 @@
           <a:lstStyle>
             <a:lvl1pPr marL="0" indent="0">
               <a:buNone/>
+              <a:defRPr sz="3200" b="1"/>
+            </a:lvl1pPr>
+            <a:lvl2pPr marL="609585" indent="0">
+              <a:buNone/>
+              <a:defRPr sz="2667" b="1"/>
+            </a:lvl2pPr>
+            <a:lvl3pPr marL="1219170" indent="0">
+              <a:buNone/>
               <a:defRPr sz="2400" b="1"/>
-            </a:lvl1pPr>
-            <a:lvl2pPr marL="457200" indent="0">
-              <a:buNone/>
-              <a:defRPr sz="2000" b="1"/>
-            </a:lvl2pPr>
-            <a:lvl3pPr marL="914400" indent="0">
-              <a:buNone/>
-              <a:defRPr sz="1800" b="1"/>
             </a:lvl3pPr>
-            <a:lvl4pPr marL="1371600" indent="0">
-              <a:buNone/>
-              <a:defRPr sz="1600" b="1"/>
+            <a:lvl4pPr marL="1828754" indent="0">
+              <a:buNone/>
+              <a:defRPr sz="2133" b="1"/>
             </a:lvl4pPr>
-            <a:lvl5pPr marL="1828800" indent="0">
-              <a:buNone/>
-              <a:defRPr sz="1600" b="1"/>
+            <a:lvl5pPr marL="2438339" indent="0">
+              <a:buNone/>
+              <a:defRPr sz="2133" b="1"/>
             </a:lvl5pPr>
-            <a:lvl6pPr marL="2286000" indent="0">
-              <a:buNone/>
-              <a:defRPr sz="1600" b="1"/>
+            <a:lvl6pPr marL="3047924" indent="0">
+              <a:buNone/>
+              <a:defRPr sz="2133" b="1"/>
             </a:lvl6pPr>
-            <a:lvl7pPr marL="2743200" indent="0">
-              <a:buNone/>
-              <a:defRPr sz="1600" b="1"/>
+            <a:lvl7pPr marL="3657509" indent="0">
+              <a:buNone/>
+              <a:defRPr sz="2133" b="1"/>
             </a:lvl7pPr>
-            <a:lvl8pPr marL="3200400" indent="0">
-              <a:buNone/>
-              <a:defRPr sz="1600" b="1"/>
+            <a:lvl8pPr marL="4267093" indent="0">
+              <a:buNone/>
+              <a:defRPr sz="2133" b="1"/>
             </a:lvl8pPr>
-            <a:lvl9pPr marL="3657600" indent="0">
-              <a:buNone/>
-              <a:defRPr sz="1600" b="1"/>
+            <a:lvl9pPr marL="4876678" indent="0">
+              <a:buNone/>
+              <a:defRPr sz="2133" b="1"/>
             </a:lvl9pPr>
           </a:lstStyle>
           <a:p>
@@ -1601,13 +1417,7 @@
       </p:sp>
       <p:sp>
         <p:nvSpPr>
-          <p:cNvPr id="4" name="Content Placeholder 3">
-            <a:extLst>
-              <a:ext uri="{FF2B5EF4-FFF2-40B4-BE49-F238E27FC236}">
-                <a16:creationId xmlns:a16="http://schemas.microsoft.com/office/drawing/2014/main" id="{6E5F2504-831F-9533-0301-174F2EC58E1F}"/>
-              </a:ext>
-            </a:extLst>
-          </p:cNvPr>
+          <p:cNvPr id="4" name="Content Placeholder 3"/>
           <p:cNvSpPr>
             <a:spLocks noGrp="1"/>
           </p:cNvSpPr>
@@ -1617,8 +1427,8 @@
         </p:nvSpPr>
         <p:spPr>
           <a:xfrm>
-            <a:off x="839788" y="2505075"/>
-            <a:ext cx="5157787" cy="3684588"/>
+            <a:off x="839789" y="5678170"/>
+            <a:ext cx="5157787" cy="8351733"/>
           </a:xfrm>
         </p:spPr>
         <p:txBody>
@@ -1658,18 +1468,13 @@
               <a:rPr lang="en-US"/>
               <a:t>Fifth level</a:t>
             </a:r>
-          </a:p>
-        </p:txBody>
-      </p:sp>
-      <p:sp>
-        <p:nvSpPr>
-          <p:cNvPr id="5" name="Text Placeholder 4">
-            <a:extLst>
-              <a:ext uri="{FF2B5EF4-FFF2-40B4-BE49-F238E27FC236}">
-                <a16:creationId xmlns:a16="http://schemas.microsoft.com/office/drawing/2014/main" id="{5E87D5A6-C539-3A05-1E30-771F044A8F4B}"/>
-              </a:ext>
-            </a:extLst>
-          </p:cNvPr>
+            <a:endParaRPr lang="en-US" dirty="0"/>
+          </a:p>
+        </p:txBody>
+      </p:sp>
+      <p:sp>
+        <p:nvSpPr>
+          <p:cNvPr id="5" name="Text Placeholder 4"/>
           <p:cNvSpPr>
             <a:spLocks noGrp="1"/>
           </p:cNvSpPr>
@@ -1679,8 +1484,8 @@
         </p:nvSpPr>
         <p:spPr>
           <a:xfrm>
-            <a:off x="6172200" y="1681163"/>
-            <a:ext cx="5183188" cy="823912"/>
+            <a:off x="6172201" y="3810636"/>
+            <a:ext cx="5183188" cy="1867534"/>
           </a:xfrm>
         </p:spPr>
         <p:txBody>
@@ -1688,39 +1493,39 @@
           <a:lstStyle>
             <a:lvl1pPr marL="0" indent="0">
               <a:buNone/>
+              <a:defRPr sz="3200" b="1"/>
+            </a:lvl1pPr>
+            <a:lvl2pPr marL="609585" indent="0">
+              <a:buNone/>
+              <a:defRPr sz="2667" b="1"/>
+            </a:lvl2pPr>
+            <a:lvl3pPr marL="1219170" indent="0">
+              <a:buNone/>
               <a:defRPr sz="2400" b="1"/>
-            </a:lvl1pPr>
-            <a:lvl2pPr marL="457200" indent="0">
-              <a:buNone/>
-              <a:defRPr sz="2000" b="1"/>
-            </a:lvl2pPr>
-            <a:lvl3pPr marL="914400" indent="0">
-              <a:buNone/>
-              <a:defRPr sz="1800" b="1"/>
             </a:lvl3pPr>
-            <a:lvl4pPr marL="1371600" indent="0">
-              <a:buNone/>
-              <a:defRPr sz="1600" b="1"/>
+            <a:lvl4pPr marL="1828754" indent="0">
+              <a:buNone/>
+              <a:defRPr sz="2133" b="1"/>
             </a:lvl4pPr>
-            <a:lvl5pPr marL="1828800" indent="0">
-              <a:buNone/>
-              <a:defRPr sz="1600" b="1"/>
+            <a:lvl5pPr marL="2438339" indent="0">
+              <a:buNone/>
+              <a:defRPr sz="2133" b="1"/>
             </a:lvl5pPr>
-            <a:lvl6pPr marL="2286000" indent="0">
-              <a:buNone/>
-              <a:defRPr sz="1600" b="1"/>
+            <a:lvl6pPr marL="3047924" indent="0">
+              <a:buNone/>
+              <a:defRPr sz="2133" b="1"/>
             </a:lvl6pPr>
-            <a:lvl7pPr marL="2743200" indent="0">
-              <a:buNone/>
-              <a:defRPr sz="1600" b="1"/>
+            <a:lvl7pPr marL="3657509" indent="0">
+              <a:buNone/>
+              <a:defRPr sz="2133" b="1"/>
             </a:lvl7pPr>
-            <a:lvl8pPr marL="3200400" indent="0">
-              <a:buNone/>
-              <a:defRPr sz="1600" b="1"/>
+            <a:lvl8pPr marL="4267093" indent="0">
+              <a:buNone/>
+              <a:defRPr sz="2133" b="1"/>
             </a:lvl8pPr>
-            <a:lvl9pPr marL="3657600" indent="0">
-              <a:buNone/>
-              <a:defRPr sz="1600" b="1"/>
+            <a:lvl9pPr marL="4876678" indent="0">
+              <a:buNone/>
+              <a:defRPr sz="2133" b="1"/>
             </a:lvl9pPr>
           </a:lstStyle>
           <a:p>
@@ -1734,13 +1539,7 @@
       </p:sp>
       <p:sp>
         <p:nvSpPr>
-          <p:cNvPr id="6" name="Content Placeholder 5">
-            <a:extLst>
-              <a:ext uri="{FF2B5EF4-FFF2-40B4-BE49-F238E27FC236}">
-                <a16:creationId xmlns:a16="http://schemas.microsoft.com/office/drawing/2014/main" id="{9EC52991-3C53-196C-CED8-D400F85ED66F}"/>
-              </a:ext>
-            </a:extLst>
-          </p:cNvPr>
+          <p:cNvPr id="6" name="Content Placeholder 5"/>
           <p:cNvSpPr>
             <a:spLocks noGrp="1"/>
           </p:cNvSpPr>
@@ -1750,8 +1549,8 @@
         </p:nvSpPr>
         <p:spPr>
           <a:xfrm>
-            <a:off x="6172200" y="2505075"/>
-            <a:ext cx="5183188" cy="3684588"/>
+            <a:off x="6172201" y="5678170"/>
+            <a:ext cx="5183188" cy="8351733"/>
           </a:xfrm>
         </p:spPr>
         <p:txBody>
@@ -1791,18 +1590,13 @@
               <a:rPr lang="en-US"/>
               <a:t>Fifth level</a:t>
             </a:r>
-          </a:p>
-        </p:txBody>
-      </p:sp>
-      <p:sp>
-        <p:nvSpPr>
-          <p:cNvPr id="7" name="Date Placeholder 6">
-            <a:extLst>
-              <a:ext uri="{FF2B5EF4-FFF2-40B4-BE49-F238E27FC236}">
-                <a16:creationId xmlns:a16="http://schemas.microsoft.com/office/drawing/2014/main" id="{F8AB9C0C-DF8D-1DF4-A6F4-168448C588FF}"/>
-              </a:ext>
-            </a:extLst>
-          </p:cNvPr>
+            <a:endParaRPr lang="en-US" dirty="0"/>
+          </a:p>
+        </p:txBody>
+      </p:sp>
+      <p:sp>
+        <p:nvSpPr>
+          <p:cNvPr id="7" name="Date Placeholder 6"/>
           <p:cNvSpPr>
             <a:spLocks noGrp="1"/>
           </p:cNvSpPr>
@@ -1817,7 +1611,7 @@
           <a:p>
             <a:fld id="{4435414B-ADD2-43DE-9D73-0125DC6028B1}" type="datetimeFigureOut">
               <a:rPr lang="en-US" smtClean="0"/>
-              <a:t>7/25/2022</a:t>
+              <a:t>9/27/2022</a:t>
             </a:fld>
             <a:endParaRPr lang="en-US"/>
           </a:p>
@@ -1825,13 +1619,7 @@
       </p:sp>
       <p:sp>
         <p:nvSpPr>
-          <p:cNvPr id="8" name="Footer Placeholder 7">
-            <a:extLst>
-              <a:ext uri="{FF2B5EF4-FFF2-40B4-BE49-F238E27FC236}">
-                <a16:creationId xmlns:a16="http://schemas.microsoft.com/office/drawing/2014/main" id="{47C4CC0D-75DC-786E-64D8-FF2DF8F78BE2}"/>
-              </a:ext>
-            </a:extLst>
-          </p:cNvPr>
+          <p:cNvPr id="8" name="Footer Placeholder 7"/>
           <p:cNvSpPr>
             <a:spLocks noGrp="1"/>
           </p:cNvSpPr>
@@ -1850,13 +1638,7 @@
       </p:sp>
       <p:sp>
         <p:nvSpPr>
-          <p:cNvPr id="9" name="Slide Number Placeholder 8">
-            <a:extLst>
-              <a:ext uri="{FF2B5EF4-FFF2-40B4-BE49-F238E27FC236}">
-                <a16:creationId xmlns:a16="http://schemas.microsoft.com/office/drawing/2014/main" id="{35AB4622-28A9-8E12-E983-45340A111CEE}"/>
-              </a:ext>
-            </a:extLst>
-          </p:cNvPr>
+          <p:cNvPr id="9" name="Slide Number Placeholder 8"/>
           <p:cNvSpPr>
             <a:spLocks noGrp="1"/>
           </p:cNvSpPr>
@@ -1880,7 +1662,7 @@
     </p:spTree>
     <p:extLst>
       <p:ext uri="{BB962C8B-B14F-4D97-AF65-F5344CB8AC3E}">
-        <p14:creationId xmlns:p14="http://schemas.microsoft.com/office/powerpoint/2010/main" val="40472686"/>
+        <p14:creationId xmlns:p14="http://schemas.microsoft.com/office/powerpoint/2010/main" val="3542288004"/>
       </p:ext>
     </p:extLst>
   </p:cSld>
@@ -1909,13 +1691,7 @@
       </p:grpSpPr>
       <p:sp>
         <p:nvSpPr>
-          <p:cNvPr id="2" name="Title 1">
-            <a:extLst>
-              <a:ext uri="{FF2B5EF4-FFF2-40B4-BE49-F238E27FC236}">
-                <a16:creationId xmlns:a16="http://schemas.microsoft.com/office/drawing/2014/main" id="{40297B5C-7E52-2DE7-CC23-B25A2A69B5D5}"/>
-              </a:ext>
-            </a:extLst>
-          </p:cNvPr>
+          <p:cNvPr id="2" name="Title 1"/>
           <p:cNvSpPr>
             <a:spLocks noGrp="1"/>
           </p:cNvSpPr>
@@ -1932,18 +1708,13 @@
               <a:rPr lang="en-US"/>
               <a:t>Click to edit Master title style</a:t>
             </a:r>
-          </a:p>
-        </p:txBody>
-      </p:sp>
-      <p:sp>
-        <p:nvSpPr>
-          <p:cNvPr id="3" name="Date Placeholder 2">
-            <a:extLst>
-              <a:ext uri="{FF2B5EF4-FFF2-40B4-BE49-F238E27FC236}">
-                <a16:creationId xmlns:a16="http://schemas.microsoft.com/office/drawing/2014/main" id="{CB117628-8955-E855-8C01-A0D518E5A294}"/>
-              </a:ext>
-            </a:extLst>
-          </p:cNvPr>
+            <a:endParaRPr lang="en-US" dirty="0"/>
+          </a:p>
+        </p:txBody>
+      </p:sp>
+      <p:sp>
+        <p:nvSpPr>
+          <p:cNvPr id="3" name="Date Placeholder 2"/>
           <p:cNvSpPr>
             <a:spLocks noGrp="1"/>
           </p:cNvSpPr>
@@ -1958,7 +1729,7 @@
           <a:p>
             <a:fld id="{4435414B-ADD2-43DE-9D73-0125DC6028B1}" type="datetimeFigureOut">
               <a:rPr lang="en-US" smtClean="0"/>
-              <a:t>7/25/2022</a:t>
+              <a:t>9/27/2022</a:t>
             </a:fld>
             <a:endParaRPr lang="en-US"/>
           </a:p>
@@ -1966,13 +1737,7 @@
       </p:sp>
       <p:sp>
         <p:nvSpPr>
-          <p:cNvPr id="4" name="Footer Placeholder 3">
-            <a:extLst>
-              <a:ext uri="{FF2B5EF4-FFF2-40B4-BE49-F238E27FC236}">
-                <a16:creationId xmlns:a16="http://schemas.microsoft.com/office/drawing/2014/main" id="{D99E9F66-05CB-0E99-DAF9-DBBCF4E7FA30}"/>
-              </a:ext>
-            </a:extLst>
-          </p:cNvPr>
+          <p:cNvPr id="4" name="Footer Placeholder 3"/>
           <p:cNvSpPr>
             <a:spLocks noGrp="1"/>
           </p:cNvSpPr>
@@ -1991,13 +1756,7 @@
       </p:sp>
       <p:sp>
         <p:nvSpPr>
-          <p:cNvPr id="5" name="Slide Number Placeholder 4">
-            <a:extLst>
-              <a:ext uri="{FF2B5EF4-FFF2-40B4-BE49-F238E27FC236}">
-                <a16:creationId xmlns:a16="http://schemas.microsoft.com/office/drawing/2014/main" id="{2D08A189-6455-654F-BADF-315A6AD3652A}"/>
-              </a:ext>
-            </a:extLst>
-          </p:cNvPr>
+          <p:cNvPr id="5" name="Slide Number Placeholder 4"/>
           <p:cNvSpPr>
             <a:spLocks noGrp="1"/>
           </p:cNvSpPr>
@@ -2021,7 +1780,7 @@
     </p:spTree>
     <p:extLst>
       <p:ext uri="{BB962C8B-B14F-4D97-AF65-F5344CB8AC3E}">
-        <p14:creationId xmlns:p14="http://schemas.microsoft.com/office/powerpoint/2010/main" val="3321624602"/>
+        <p14:creationId xmlns:p14="http://schemas.microsoft.com/office/powerpoint/2010/main" val="2540141370"/>
       </p:ext>
     </p:extLst>
   </p:cSld>
@@ -2050,13 +1809,7 @@
       </p:grpSpPr>
       <p:sp>
         <p:nvSpPr>
-          <p:cNvPr id="2" name="Date Placeholder 1">
-            <a:extLst>
-              <a:ext uri="{FF2B5EF4-FFF2-40B4-BE49-F238E27FC236}">
-                <a16:creationId xmlns:a16="http://schemas.microsoft.com/office/drawing/2014/main" id="{18BA55BA-21EC-7641-A84E-0DB2ADF49BE5}"/>
-              </a:ext>
-            </a:extLst>
-          </p:cNvPr>
+          <p:cNvPr id="2" name="Date Placeholder 1"/>
           <p:cNvSpPr>
             <a:spLocks noGrp="1"/>
           </p:cNvSpPr>
@@ -2071,7 +1824,7 @@
           <a:p>
             <a:fld id="{4435414B-ADD2-43DE-9D73-0125DC6028B1}" type="datetimeFigureOut">
               <a:rPr lang="en-US" smtClean="0"/>
-              <a:t>7/25/2022</a:t>
+              <a:t>9/27/2022</a:t>
             </a:fld>
             <a:endParaRPr lang="en-US"/>
           </a:p>
@@ -2079,13 +1832,7 @@
       </p:sp>
       <p:sp>
         <p:nvSpPr>
-          <p:cNvPr id="3" name="Footer Placeholder 2">
-            <a:extLst>
-              <a:ext uri="{FF2B5EF4-FFF2-40B4-BE49-F238E27FC236}">
-                <a16:creationId xmlns:a16="http://schemas.microsoft.com/office/drawing/2014/main" id="{7BBE1219-C6FA-DFE5-9EC0-4ADA3D7CBB50}"/>
-              </a:ext>
-            </a:extLst>
-          </p:cNvPr>
+          <p:cNvPr id="3" name="Footer Placeholder 2"/>
           <p:cNvSpPr>
             <a:spLocks noGrp="1"/>
           </p:cNvSpPr>
@@ -2104,13 +1851,7 @@
       </p:sp>
       <p:sp>
         <p:nvSpPr>
-          <p:cNvPr id="4" name="Slide Number Placeholder 3">
-            <a:extLst>
-              <a:ext uri="{FF2B5EF4-FFF2-40B4-BE49-F238E27FC236}">
-                <a16:creationId xmlns:a16="http://schemas.microsoft.com/office/drawing/2014/main" id="{1E4848E1-E400-CD55-785F-98BC9996918F}"/>
-              </a:ext>
-            </a:extLst>
-          </p:cNvPr>
+          <p:cNvPr id="4" name="Slide Number Placeholder 3"/>
           <p:cNvSpPr>
             <a:spLocks noGrp="1"/>
           </p:cNvSpPr>
@@ -2134,7 +1875,7 @@
     </p:spTree>
     <p:extLst>
       <p:ext uri="{BB962C8B-B14F-4D97-AF65-F5344CB8AC3E}">
-        <p14:creationId xmlns:p14="http://schemas.microsoft.com/office/powerpoint/2010/main" val="2380877450"/>
+        <p14:creationId xmlns:p14="http://schemas.microsoft.com/office/powerpoint/2010/main" val="4023631134"/>
       </p:ext>
     </p:extLst>
   </p:cSld>
@@ -2163,13 +1904,7 @@
       </p:grpSpPr>
       <p:sp>
         <p:nvSpPr>
-          <p:cNvPr id="2" name="Title 1">
-            <a:extLst>
-              <a:ext uri="{FF2B5EF4-FFF2-40B4-BE49-F238E27FC236}">
-                <a16:creationId xmlns:a16="http://schemas.microsoft.com/office/drawing/2014/main" id="{DD44971A-B253-C956-39AF-9C10A58211C7}"/>
-              </a:ext>
-            </a:extLst>
-          </p:cNvPr>
+          <p:cNvPr id="2" name="Title 1"/>
           <p:cNvSpPr>
             <a:spLocks noGrp="1"/>
           </p:cNvSpPr>
@@ -2179,15 +1914,15 @@
         </p:nvSpPr>
         <p:spPr>
           <a:xfrm>
-            <a:off x="839788" y="457200"/>
-            <a:ext cx="3932237" cy="1600200"/>
+            <a:off x="839788" y="1036320"/>
+            <a:ext cx="3932237" cy="3627120"/>
           </a:xfrm>
         </p:spPr>
         <p:txBody>
           <a:bodyPr anchor="b"/>
           <a:lstStyle>
             <a:lvl1pPr>
-              <a:defRPr sz="3200"/>
+              <a:defRPr sz="4267"/>
             </a:lvl1pPr>
           </a:lstStyle>
           <a:p>
@@ -2195,18 +1930,13 @@
               <a:rPr lang="en-US"/>
               <a:t>Click to edit Master title style</a:t>
             </a:r>
-          </a:p>
-        </p:txBody>
-      </p:sp>
-      <p:sp>
-        <p:nvSpPr>
-          <p:cNvPr id="3" name="Content Placeholder 2">
-            <a:extLst>
-              <a:ext uri="{FF2B5EF4-FFF2-40B4-BE49-F238E27FC236}">
-                <a16:creationId xmlns:a16="http://schemas.microsoft.com/office/drawing/2014/main" id="{08496157-429C-FC04-8B77-7A8369D28807}"/>
-              </a:ext>
-            </a:extLst>
-          </p:cNvPr>
+            <a:endParaRPr lang="en-US" dirty="0"/>
+          </a:p>
+        </p:txBody>
+      </p:sp>
+      <p:sp>
+        <p:nvSpPr>
+          <p:cNvPr id="3" name="Content Placeholder 2"/>
           <p:cNvSpPr>
             <a:spLocks noGrp="1"/>
           </p:cNvSpPr>
@@ -2216,39 +1946,39 @@
         </p:nvSpPr>
         <p:spPr>
           <a:xfrm>
-            <a:off x="5183188" y="987425"/>
-            <a:ext cx="6172200" cy="4873625"/>
+            <a:off x="5183188" y="2238167"/>
+            <a:ext cx="6172200" cy="11046883"/>
           </a:xfrm>
         </p:spPr>
         <p:txBody>
           <a:bodyPr/>
           <a:lstStyle>
             <a:lvl1pPr>
-              <a:defRPr sz="3200"/>
+              <a:defRPr sz="4267"/>
             </a:lvl1pPr>
             <a:lvl2pPr>
-              <a:defRPr sz="2800"/>
+              <a:defRPr sz="3733"/>
             </a:lvl2pPr>
             <a:lvl3pPr>
-              <a:defRPr sz="2400"/>
+              <a:defRPr sz="3200"/>
             </a:lvl3pPr>
             <a:lvl4pPr>
-              <a:defRPr sz="2000"/>
+              <a:defRPr sz="2667"/>
             </a:lvl4pPr>
             <a:lvl5pPr>
-              <a:defRPr sz="2000"/>
+              <a:defRPr sz="2667"/>
             </a:lvl5pPr>
             <a:lvl6pPr>
-              <a:defRPr sz="2000"/>
+              <a:defRPr sz="2667"/>
             </a:lvl6pPr>
             <a:lvl7pPr>
-              <a:defRPr sz="2000"/>
+              <a:defRPr sz="2667"/>
             </a:lvl7pPr>
             <a:lvl8pPr>
-              <a:defRPr sz="2000"/>
+              <a:defRPr sz="2667"/>
             </a:lvl8pPr>
             <a:lvl9pPr>
-              <a:defRPr sz="2000"/>
+              <a:defRPr sz="2667"/>
             </a:lvl9pPr>
           </a:lstStyle>
           <a:p>
@@ -2285,18 +2015,13 @@
               <a:rPr lang="en-US"/>
               <a:t>Fifth level</a:t>
             </a:r>
-          </a:p>
-        </p:txBody>
-      </p:sp>
-      <p:sp>
-        <p:nvSpPr>
-          <p:cNvPr id="4" name="Text Placeholder 3">
-            <a:extLst>
-              <a:ext uri="{FF2B5EF4-FFF2-40B4-BE49-F238E27FC236}">
-                <a16:creationId xmlns:a16="http://schemas.microsoft.com/office/drawing/2014/main" id="{3C088C0A-5200-8A2A-EA01-5700D4E28252}"/>
-              </a:ext>
-            </a:extLst>
-          </p:cNvPr>
+            <a:endParaRPr lang="en-US" dirty="0"/>
+          </a:p>
+        </p:txBody>
+      </p:sp>
+      <p:sp>
+        <p:nvSpPr>
+          <p:cNvPr id="4" name="Text Placeholder 3"/>
           <p:cNvSpPr>
             <a:spLocks noGrp="1"/>
           </p:cNvSpPr>
@@ -2306,8 +2031,8 @@
         </p:nvSpPr>
         <p:spPr>
           <a:xfrm>
-            <a:off x="839788" y="2057400"/>
-            <a:ext cx="3932237" cy="3811588"/>
+            <a:off x="839788" y="4663440"/>
+            <a:ext cx="3932237" cy="8639599"/>
           </a:xfrm>
         </p:spPr>
         <p:txBody>
@@ -2315,39 +2040,39 @@
           <a:lstStyle>
             <a:lvl1pPr marL="0" indent="0">
               <a:buNone/>
+              <a:defRPr sz="2133"/>
+            </a:lvl1pPr>
+            <a:lvl2pPr marL="609585" indent="0">
+              <a:buNone/>
+              <a:defRPr sz="1867"/>
+            </a:lvl2pPr>
+            <a:lvl3pPr marL="1219170" indent="0">
+              <a:buNone/>
               <a:defRPr sz="1600"/>
-            </a:lvl1pPr>
-            <a:lvl2pPr marL="457200" indent="0">
-              <a:buNone/>
-              <a:defRPr sz="1400"/>
-            </a:lvl2pPr>
-            <a:lvl3pPr marL="914400" indent="0">
-              <a:buNone/>
-              <a:defRPr sz="1200"/>
             </a:lvl3pPr>
-            <a:lvl4pPr marL="1371600" indent="0">
-              <a:buNone/>
-              <a:defRPr sz="1000"/>
+            <a:lvl4pPr marL="1828754" indent="0">
+              <a:buNone/>
+              <a:defRPr sz="1333"/>
             </a:lvl4pPr>
-            <a:lvl5pPr marL="1828800" indent="0">
-              <a:buNone/>
-              <a:defRPr sz="1000"/>
+            <a:lvl5pPr marL="2438339" indent="0">
+              <a:buNone/>
+              <a:defRPr sz="1333"/>
             </a:lvl5pPr>
-            <a:lvl6pPr marL="2286000" indent="0">
-              <a:buNone/>
-              <a:defRPr sz="1000"/>
+            <a:lvl6pPr marL="3047924" indent="0">
+              <a:buNone/>
+              <a:defRPr sz="1333"/>
             </a:lvl6pPr>
-            <a:lvl7pPr marL="2743200" indent="0">
-              <a:buNone/>
-              <a:defRPr sz="1000"/>
+            <a:lvl7pPr marL="3657509" indent="0">
+              <a:buNone/>
+              <a:defRPr sz="1333"/>
             </a:lvl7pPr>
-            <a:lvl8pPr marL="3200400" indent="0">
-              <a:buNone/>
-              <a:defRPr sz="1000"/>
+            <a:lvl8pPr marL="4267093" indent="0">
+              <a:buNone/>
+              <a:defRPr sz="1333"/>
             </a:lvl8pPr>
-            <a:lvl9pPr marL="3657600" indent="0">
-              <a:buNone/>
-              <a:defRPr sz="1000"/>
+            <a:lvl9pPr marL="4876678" indent="0">
+              <a:buNone/>
+              <a:defRPr sz="1333"/>
             </a:lvl9pPr>
           </a:lstStyle>
           <a:p>
@@ -2361,13 +2086,7 @@
       </p:sp>
       <p:sp>
         <p:nvSpPr>
-          <p:cNvPr id="5" name="Date Placeholder 4">
-            <a:extLst>
-              <a:ext uri="{FF2B5EF4-FFF2-40B4-BE49-F238E27FC236}">
-                <a16:creationId xmlns:a16="http://schemas.microsoft.com/office/drawing/2014/main" id="{D19DDD84-738D-1D02-EF87-E126CCEE7400}"/>
-              </a:ext>
-            </a:extLst>
-          </p:cNvPr>
+          <p:cNvPr id="5" name="Date Placeholder 4"/>
           <p:cNvSpPr>
             <a:spLocks noGrp="1"/>
           </p:cNvSpPr>
@@ -2382,7 +2101,7 @@
           <a:p>
             <a:fld id="{4435414B-ADD2-43DE-9D73-0125DC6028B1}" type="datetimeFigureOut">
               <a:rPr lang="en-US" smtClean="0"/>
-              <a:t>7/25/2022</a:t>
+              <a:t>9/27/2022</a:t>
             </a:fld>
             <a:endParaRPr lang="en-US"/>
           </a:p>
@@ -2390,13 +2109,7 @@
       </p:sp>
       <p:sp>
         <p:nvSpPr>
-          <p:cNvPr id="6" name="Footer Placeholder 5">
-            <a:extLst>
-              <a:ext uri="{FF2B5EF4-FFF2-40B4-BE49-F238E27FC236}">
-                <a16:creationId xmlns:a16="http://schemas.microsoft.com/office/drawing/2014/main" id="{F5CADE4B-F086-032F-BC76-69EEB80A506B}"/>
-              </a:ext>
-            </a:extLst>
-          </p:cNvPr>
+          <p:cNvPr id="6" name="Footer Placeholder 5"/>
           <p:cNvSpPr>
             <a:spLocks noGrp="1"/>
           </p:cNvSpPr>
@@ -2415,13 +2128,7 @@
       </p:sp>
       <p:sp>
         <p:nvSpPr>
-          <p:cNvPr id="7" name="Slide Number Placeholder 6">
-            <a:extLst>
-              <a:ext uri="{FF2B5EF4-FFF2-40B4-BE49-F238E27FC236}">
-                <a16:creationId xmlns:a16="http://schemas.microsoft.com/office/drawing/2014/main" id="{B1F1F4C0-C047-A26B-9AA4-24C62A1C63A4}"/>
-              </a:ext>
-            </a:extLst>
-          </p:cNvPr>
+          <p:cNvPr id="7" name="Slide Number Placeholder 6"/>
           <p:cNvSpPr>
             <a:spLocks noGrp="1"/>
           </p:cNvSpPr>
@@ -2445,7 +2152,7 @@
     </p:spTree>
     <p:extLst>
       <p:ext uri="{BB962C8B-B14F-4D97-AF65-F5344CB8AC3E}">
-        <p14:creationId xmlns:p14="http://schemas.microsoft.com/office/powerpoint/2010/main" val="1601159982"/>
+        <p14:creationId xmlns:p14="http://schemas.microsoft.com/office/powerpoint/2010/main" val="3386726792"/>
       </p:ext>
     </p:extLst>
   </p:cSld>
@@ -2474,13 +2181,7 @@
       </p:grpSpPr>
       <p:sp>
         <p:nvSpPr>
-          <p:cNvPr id="2" name="Title 1">
-            <a:extLst>
-              <a:ext uri="{FF2B5EF4-FFF2-40B4-BE49-F238E27FC236}">
-                <a16:creationId xmlns:a16="http://schemas.microsoft.com/office/drawing/2014/main" id="{527895FD-97E4-1C95-CDFC-6182E7B64EF1}"/>
-              </a:ext>
-            </a:extLst>
-          </p:cNvPr>
+          <p:cNvPr id="2" name="Title 1"/>
           <p:cNvSpPr>
             <a:spLocks noGrp="1"/>
           </p:cNvSpPr>
@@ -2490,15 +2191,15 @@
         </p:nvSpPr>
         <p:spPr>
           <a:xfrm>
-            <a:off x="839788" y="457200"/>
-            <a:ext cx="3932237" cy="1600200"/>
+            <a:off x="839788" y="1036320"/>
+            <a:ext cx="3932237" cy="3627120"/>
           </a:xfrm>
         </p:spPr>
         <p:txBody>
           <a:bodyPr anchor="b"/>
           <a:lstStyle>
             <a:lvl1pPr>
-              <a:defRPr sz="3200"/>
+              <a:defRPr sz="4267"/>
             </a:lvl1pPr>
           </a:lstStyle>
           <a:p>
@@ -2506,20 +2207,15 @@
               <a:rPr lang="en-US"/>
               <a:t>Click to edit Master title style</a:t>
             </a:r>
-          </a:p>
-        </p:txBody>
-      </p:sp>
-      <p:sp>
-        <p:nvSpPr>
-          <p:cNvPr id="3" name="Picture Placeholder 2">
-            <a:extLst>
-              <a:ext uri="{FF2B5EF4-FFF2-40B4-BE49-F238E27FC236}">
-                <a16:creationId xmlns:a16="http://schemas.microsoft.com/office/drawing/2014/main" id="{AB6239DE-B9C4-006F-4744-4605859DF803}"/>
-              </a:ext>
-            </a:extLst>
-          </p:cNvPr>
-          <p:cNvSpPr>
-            <a:spLocks noGrp="1"/>
+            <a:endParaRPr lang="en-US" dirty="0"/>
+          </a:p>
+        </p:txBody>
+      </p:sp>
+      <p:sp>
+        <p:nvSpPr>
+          <p:cNvPr id="3" name="Picture Placeholder 2"/>
+          <p:cNvSpPr>
+            <a:spLocks noGrp="1" noChangeAspect="1"/>
           </p:cNvSpPr>
           <p:nvPr>
             <p:ph type="pic" idx="1"/>
@@ -2527,64 +2223,62 @@
         </p:nvSpPr>
         <p:spPr>
           <a:xfrm>
-            <a:off x="5183188" y="987425"/>
-            <a:ext cx="6172200" cy="4873625"/>
+            <a:off x="5183188" y="2238167"/>
+            <a:ext cx="6172200" cy="11046883"/>
           </a:xfrm>
         </p:spPr>
         <p:txBody>
-          <a:bodyPr/>
+          <a:bodyPr anchor="t"/>
           <a:lstStyle>
             <a:lvl1pPr marL="0" indent="0">
               <a:buNone/>
+              <a:defRPr sz="4267"/>
+            </a:lvl1pPr>
+            <a:lvl2pPr marL="609585" indent="0">
+              <a:buNone/>
+              <a:defRPr sz="3733"/>
+            </a:lvl2pPr>
+            <a:lvl3pPr marL="1219170" indent="0">
+              <a:buNone/>
               <a:defRPr sz="3200"/>
-            </a:lvl1pPr>
-            <a:lvl2pPr marL="457200" indent="0">
-              <a:buNone/>
-              <a:defRPr sz="2800"/>
-            </a:lvl2pPr>
-            <a:lvl3pPr marL="914400" indent="0">
-              <a:buNone/>
-              <a:defRPr sz="2400"/>
             </a:lvl3pPr>
-            <a:lvl4pPr marL="1371600" indent="0">
-              <a:buNone/>
-              <a:defRPr sz="2000"/>
+            <a:lvl4pPr marL="1828754" indent="0">
+              <a:buNone/>
+              <a:defRPr sz="2667"/>
             </a:lvl4pPr>
-            <a:lvl5pPr marL="1828800" indent="0">
-              <a:buNone/>
-              <a:defRPr sz="2000"/>
+            <a:lvl5pPr marL="2438339" indent="0">
+              <a:buNone/>
+              <a:defRPr sz="2667"/>
             </a:lvl5pPr>
-            <a:lvl6pPr marL="2286000" indent="0">
-              <a:buNone/>
-              <a:defRPr sz="2000"/>
+            <a:lvl6pPr marL="3047924" indent="0">
+              <a:buNone/>
+              <a:defRPr sz="2667"/>
             </a:lvl6pPr>
-            <a:lvl7pPr marL="2743200" indent="0">
-              <a:buNone/>
-              <a:defRPr sz="2000"/>
+            <a:lvl7pPr marL="3657509" indent="0">
+              <a:buNone/>
+              <a:defRPr sz="2667"/>
             </a:lvl7pPr>
-            <a:lvl8pPr marL="3200400" indent="0">
-              <a:buNone/>
-              <a:defRPr sz="2000"/>
+            <a:lvl8pPr marL="4267093" indent="0">
+              <a:buNone/>
+              <a:defRPr sz="2667"/>
             </a:lvl8pPr>
-            <a:lvl9pPr marL="3657600" indent="0">
-              <a:buNone/>
-              <a:defRPr sz="2000"/>
+            <a:lvl9pPr marL="4876678" indent="0">
+              <a:buNone/>
+              <a:defRPr sz="2667"/>
             </a:lvl9pPr>
           </a:lstStyle>
           <a:p>
-            <a:endParaRPr lang="en-US"/>
-          </a:p>
-        </p:txBody>
-      </p:sp>
-      <p:sp>
-        <p:nvSpPr>
-          <p:cNvPr id="4" name="Text Placeholder 3">
-            <a:extLst>
-              <a:ext uri="{FF2B5EF4-FFF2-40B4-BE49-F238E27FC236}">
-                <a16:creationId xmlns:a16="http://schemas.microsoft.com/office/drawing/2014/main" id="{9AB6F723-C3C7-17BF-7749-183434276EA4}"/>
-              </a:ext>
-            </a:extLst>
-          </p:cNvPr>
+            <a:r>
+              <a:rPr lang="en-US"/>
+              <a:t>Click icon to add picture</a:t>
+            </a:r>
+            <a:endParaRPr lang="en-US" dirty="0"/>
+          </a:p>
+        </p:txBody>
+      </p:sp>
+      <p:sp>
+        <p:nvSpPr>
+          <p:cNvPr id="4" name="Text Placeholder 3"/>
           <p:cNvSpPr>
             <a:spLocks noGrp="1"/>
           </p:cNvSpPr>
@@ -2594,8 +2288,8 @@
         </p:nvSpPr>
         <p:spPr>
           <a:xfrm>
-            <a:off x="839788" y="2057400"/>
-            <a:ext cx="3932237" cy="3811588"/>
+            <a:off x="839788" y="4663440"/>
+            <a:ext cx="3932237" cy="8639599"/>
           </a:xfrm>
         </p:spPr>
         <p:txBody>
@@ -2603,39 +2297,39 @@
           <a:lstStyle>
             <a:lvl1pPr marL="0" indent="0">
               <a:buNone/>
+              <a:defRPr sz="2133"/>
+            </a:lvl1pPr>
+            <a:lvl2pPr marL="609585" indent="0">
+              <a:buNone/>
+              <a:defRPr sz="1867"/>
+            </a:lvl2pPr>
+            <a:lvl3pPr marL="1219170" indent="0">
+              <a:buNone/>
               <a:defRPr sz="1600"/>
-            </a:lvl1pPr>
-            <a:lvl2pPr marL="457200" indent="0">
-              <a:buNone/>
-              <a:defRPr sz="1400"/>
-            </a:lvl2pPr>
-            <a:lvl3pPr marL="914400" indent="0">
-              <a:buNone/>
-              <a:defRPr sz="1200"/>
             </a:lvl3pPr>
-            <a:lvl4pPr marL="1371600" indent="0">
-              <a:buNone/>
-              <a:defRPr sz="1000"/>
+            <a:lvl4pPr marL="1828754" indent="0">
+              <a:buNone/>
+              <a:defRPr sz="1333"/>
             </a:lvl4pPr>
-            <a:lvl5pPr marL="1828800" indent="0">
-              <a:buNone/>
-              <a:defRPr sz="1000"/>
+            <a:lvl5pPr marL="2438339" indent="0">
+              <a:buNone/>
+              <a:defRPr sz="1333"/>
             </a:lvl5pPr>
-            <a:lvl6pPr marL="2286000" indent="0">
-              <a:buNone/>
-              <a:defRPr sz="1000"/>
+            <a:lvl6pPr marL="3047924" indent="0">
+              <a:buNone/>
+              <a:defRPr sz="1333"/>
             </a:lvl6pPr>
-            <a:lvl7pPr marL="2743200" indent="0">
-              <a:buNone/>
-              <a:defRPr sz="1000"/>
+            <a:lvl7pPr marL="3657509" indent="0">
+              <a:buNone/>
+              <a:defRPr sz="1333"/>
             </a:lvl7pPr>
-            <a:lvl8pPr marL="3200400" indent="0">
-              <a:buNone/>
-              <a:defRPr sz="1000"/>
+            <a:lvl8pPr marL="4267093" indent="0">
+              <a:buNone/>
+              <a:defRPr sz="1333"/>
             </a:lvl8pPr>
-            <a:lvl9pPr marL="3657600" indent="0">
-              <a:buNone/>
-              <a:defRPr sz="1000"/>
+            <a:lvl9pPr marL="4876678" indent="0">
+              <a:buNone/>
+              <a:defRPr sz="1333"/>
             </a:lvl9pPr>
           </a:lstStyle>
           <a:p>
@@ -2649,13 +2343,7 @@
       </p:sp>
       <p:sp>
         <p:nvSpPr>
-          <p:cNvPr id="5" name="Date Placeholder 4">
-            <a:extLst>
-              <a:ext uri="{FF2B5EF4-FFF2-40B4-BE49-F238E27FC236}">
-                <a16:creationId xmlns:a16="http://schemas.microsoft.com/office/drawing/2014/main" id="{8C05C7CC-29BB-9A3C-7C05-E8A9D8DB0CC3}"/>
-              </a:ext>
-            </a:extLst>
-          </p:cNvPr>
+          <p:cNvPr id="5" name="Date Placeholder 4"/>
           <p:cNvSpPr>
             <a:spLocks noGrp="1"/>
           </p:cNvSpPr>
@@ -2670,7 +2358,7 @@
           <a:p>
             <a:fld id="{4435414B-ADD2-43DE-9D73-0125DC6028B1}" type="datetimeFigureOut">
               <a:rPr lang="en-US" smtClean="0"/>
-              <a:t>7/25/2022</a:t>
+              <a:t>9/27/2022</a:t>
             </a:fld>
             <a:endParaRPr lang="en-US"/>
           </a:p>
@@ -2678,13 +2366,7 @@
       </p:sp>
       <p:sp>
         <p:nvSpPr>
-          <p:cNvPr id="6" name="Footer Placeholder 5">
-            <a:extLst>
-              <a:ext uri="{FF2B5EF4-FFF2-40B4-BE49-F238E27FC236}">
-                <a16:creationId xmlns:a16="http://schemas.microsoft.com/office/drawing/2014/main" id="{AA4912DA-B8FC-30AB-1C83-08D42326D2CB}"/>
-              </a:ext>
-            </a:extLst>
-          </p:cNvPr>
+          <p:cNvPr id="6" name="Footer Placeholder 5"/>
           <p:cNvSpPr>
             <a:spLocks noGrp="1"/>
           </p:cNvSpPr>
@@ -2703,13 +2385,7 @@
       </p:sp>
       <p:sp>
         <p:nvSpPr>
-          <p:cNvPr id="7" name="Slide Number Placeholder 6">
-            <a:extLst>
-              <a:ext uri="{FF2B5EF4-FFF2-40B4-BE49-F238E27FC236}">
-                <a16:creationId xmlns:a16="http://schemas.microsoft.com/office/drawing/2014/main" id="{F18B576C-A6DB-62D9-3088-322A7B47423E}"/>
-              </a:ext>
-            </a:extLst>
-          </p:cNvPr>
+          <p:cNvPr id="7" name="Slide Number Placeholder 6"/>
           <p:cNvSpPr>
             <a:spLocks noGrp="1"/>
           </p:cNvSpPr>
@@ -2733,7 +2409,7 @@
     </p:spTree>
     <p:extLst>
       <p:ext uri="{BB962C8B-B14F-4D97-AF65-F5344CB8AC3E}">
-        <p14:creationId xmlns:p14="http://schemas.microsoft.com/office/powerpoint/2010/main" val="2955119277"/>
+        <p14:creationId xmlns:p14="http://schemas.microsoft.com/office/powerpoint/2010/main" val="2519338870"/>
       </p:ext>
     </p:extLst>
   </p:cSld>
@@ -2767,13 +2443,7 @@
       </p:grpSpPr>
       <p:sp>
         <p:nvSpPr>
-          <p:cNvPr id="2" name="Title Placeholder 1">
-            <a:extLst>
-              <a:ext uri="{FF2B5EF4-FFF2-40B4-BE49-F238E27FC236}">
-                <a16:creationId xmlns:a16="http://schemas.microsoft.com/office/drawing/2014/main" id="{6C116989-6BDE-93EC-78BC-F3CB5F2E7E06}"/>
-              </a:ext>
-            </a:extLst>
-          </p:cNvPr>
+          <p:cNvPr id="2" name="Title Placeholder 1"/>
           <p:cNvSpPr>
             <a:spLocks noGrp="1"/>
           </p:cNvSpPr>
@@ -2783,8 +2453,8 @@
         </p:nvSpPr>
         <p:spPr>
           <a:xfrm>
-            <a:off x="838200" y="365125"/>
-            <a:ext cx="10515600" cy="1325563"/>
+            <a:off x="838200" y="827620"/>
+            <a:ext cx="10515600" cy="3004609"/>
           </a:xfrm>
           <a:prstGeom prst="rect">
             <a:avLst/>
@@ -2800,18 +2470,13 @@
               <a:rPr lang="en-US"/>
               <a:t>Click to edit Master title style</a:t>
             </a:r>
-          </a:p>
-        </p:txBody>
-      </p:sp>
-      <p:sp>
-        <p:nvSpPr>
-          <p:cNvPr id="3" name="Text Placeholder 2">
-            <a:extLst>
-              <a:ext uri="{FF2B5EF4-FFF2-40B4-BE49-F238E27FC236}">
-                <a16:creationId xmlns:a16="http://schemas.microsoft.com/office/drawing/2014/main" id="{FBE006D2-CF77-E153-7927-8305815E95AF}"/>
-              </a:ext>
-            </a:extLst>
-          </p:cNvPr>
+            <a:endParaRPr lang="en-US" dirty="0"/>
+          </a:p>
+        </p:txBody>
+      </p:sp>
+      <p:sp>
+        <p:nvSpPr>
+          <p:cNvPr id="3" name="Text Placeholder 2"/>
           <p:cNvSpPr>
             <a:spLocks noGrp="1"/>
           </p:cNvSpPr>
@@ -2821,8 +2486,8 @@
         </p:nvSpPr>
         <p:spPr>
           <a:xfrm>
-            <a:off x="838200" y="1825625"/>
-            <a:ext cx="10515600" cy="4351338"/>
+            <a:off x="838200" y="4138083"/>
+            <a:ext cx="10515600" cy="9863033"/>
           </a:xfrm>
           <a:prstGeom prst="rect">
             <a:avLst/>
@@ -2867,18 +2532,13 @@
               <a:rPr lang="en-US"/>
               <a:t>Fifth level</a:t>
             </a:r>
-          </a:p>
-        </p:txBody>
-      </p:sp>
-      <p:sp>
-        <p:nvSpPr>
-          <p:cNvPr id="4" name="Date Placeholder 3">
-            <a:extLst>
-              <a:ext uri="{FF2B5EF4-FFF2-40B4-BE49-F238E27FC236}">
-                <a16:creationId xmlns:a16="http://schemas.microsoft.com/office/drawing/2014/main" id="{EDA969AA-ECA6-E70D-4901-4FCC43419B71}"/>
-              </a:ext>
-            </a:extLst>
-          </p:cNvPr>
+            <a:endParaRPr lang="en-US" dirty="0"/>
+          </a:p>
+        </p:txBody>
+      </p:sp>
+      <p:sp>
+        <p:nvSpPr>
+          <p:cNvPr id="4" name="Date Placeholder 3"/>
           <p:cNvSpPr>
             <a:spLocks noGrp="1"/>
           </p:cNvSpPr>
@@ -2888,8 +2548,8 @@
         </p:nvSpPr>
         <p:spPr>
           <a:xfrm>
-            <a:off x="838200" y="6356350"/>
-            <a:ext cx="2743200" cy="365125"/>
+            <a:off x="838200" y="14407730"/>
+            <a:ext cx="2743200" cy="827617"/>
           </a:xfrm>
           <a:prstGeom prst="rect">
             <a:avLst/>
@@ -2899,7 +2559,7 @@
           <a:bodyPr vert="horz" lIns="91440" tIns="45720" rIns="91440" bIns="45720" rtlCol="0" anchor="ctr"/>
           <a:lstStyle>
             <a:lvl1pPr algn="l">
-              <a:defRPr sz="1200">
+              <a:defRPr sz="1600">
                 <a:solidFill>
                   <a:schemeClr val="tx1">
                     <a:tint val="75000"/>
@@ -2911,7 +2571,7 @@
           <a:p>
             <a:fld id="{4435414B-ADD2-43DE-9D73-0125DC6028B1}" type="datetimeFigureOut">
               <a:rPr lang="en-US" smtClean="0"/>
-              <a:t>7/25/2022</a:t>
+              <a:t>9/27/2022</a:t>
             </a:fld>
             <a:endParaRPr lang="en-US"/>
           </a:p>
@@ -2919,13 +2579,7 @@
       </p:sp>
       <p:sp>
         <p:nvSpPr>
-          <p:cNvPr id="5" name="Footer Placeholder 4">
-            <a:extLst>
-              <a:ext uri="{FF2B5EF4-FFF2-40B4-BE49-F238E27FC236}">
-                <a16:creationId xmlns:a16="http://schemas.microsoft.com/office/drawing/2014/main" id="{E9F8F124-4DA7-A356-0416-E48F7B2FEC78}"/>
-              </a:ext>
-            </a:extLst>
-          </p:cNvPr>
+          <p:cNvPr id="5" name="Footer Placeholder 4"/>
           <p:cNvSpPr>
             <a:spLocks noGrp="1"/>
           </p:cNvSpPr>
@@ -2935,8 +2589,8 @@
         </p:nvSpPr>
         <p:spPr>
           <a:xfrm>
-            <a:off x="4038600" y="6356350"/>
-            <a:ext cx="4114800" cy="365125"/>
+            <a:off x="4038600" y="14407730"/>
+            <a:ext cx="4114800" cy="827617"/>
           </a:xfrm>
           <a:prstGeom prst="rect">
             <a:avLst/>
@@ -2946,7 +2600,7 @@
           <a:bodyPr vert="horz" lIns="91440" tIns="45720" rIns="91440" bIns="45720" rtlCol="0" anchor="ctr"/>
           <a:lstStyle>
             <a:lvl1pPr algn="ctr">
-              <a:defRPr sz="1200">
+              <a:defRPr sz="1600">
                 <a:solidFill>
                   <a:schemeClr val="tx1">
                     <a:tint val="75000"/>
@@ -2962,13 +2616,7 @@
       </p:sp>
       <p:sp>
         <p:nvSpPr>
-          <p:cNvPr id="6" name="Slide Number Placeholder 5">
-            <a:extLst>
-              <a:ext uri="{FF2B5EF4-FFF2-40B4-BE49-F238E27FC236}">
-                <a16:creationId xmlns:a16="http://schemas.microsoft.com/office/drawing/2014/main" id="{7D76EC9B-6CD3-CAF6-F150-E12212062FC0}"/>
-              </a:ext>
-            </a:extLst>
-          </p:cNvPr>
+          <p:cNvPr id="6" name="Slide Number Placeholder 5"/>
           <p:cNvSpPr>
             <a:spLocks noGrp="1"/>
           </p:cNvSpPr>
@@ -2978,8 +2626,8 @@
         </p:nvSpPr>
         <p:spPr>
           <a:xfrm>
-            <a:off x="8610600" y="6356350"/>
-            <a:ext cx="2743200" cy="365125"/>
+            <a:off x="8610600" y="14407730"/>
+            <a:ext cx="2743200" cy="827617"/>
           </a:xfrm>
           <a:prstGeom prst="rect">
             <a:avLst/>
@@ -2989,7 +2637,7 @@
           <a:bodyPr vert="horz" lIns="91440" tIns="45720" rIns="91440" bIns="45720" rtlCol="0" anchor="ctr"/>
           <a:lstStyle>
             <a:lvl1pPr algn="r">
-              <a:defRPr sz="1200">
+              <a:defRPr sz="1600">
                 <a:solidFill>
                   <a:schemeClr val="tx1">
                     <a:tint val="75000"/>
@@ -3010,27 +2658,27 @@
     </p:spTree>
     <p:extLst>
       <p:ext uri="{BB962C8B-B14F-4D97-AF65-F5344CB8AC3E}">
-        <p14:creationId xmlns:p14="http://schemas.microsoft.com/office/powerpoint/2010/main" val="3723592872"/>
+        <p14:creationId xmlns:p14="http://schemas.microsoft.com/office/powerpoint/2010/main" val="1812275521"/>
       </p:ext>
     </p:extLst>
   </p:cSld>
   <p:clrMap bg1="lt1" tx1="dk1" bg2="lt2" tx2="dk2" accent1="accent1" accent2="accent2" accent3="accent3" accent4="accent4" accent5="accent5" accent6="accent6" hlink="hlink" folHlink="folHlink"/>
   <p:sldLayoutIdLst>
-    <p:sldLayoutId id="2147483649" r:id="rId1"/>
-    <p:sldLayoutId id="2147483650" r:id="rId2"/>
-    <p:sldLayoutId id="2147483651" r:id="rId3"/>
-    <p:sldLayoutId id="2147483652" r:id="rId4"/>
-    <p:sldLayoutId id="2147483653" r:id="rId5"/>
-    <p:sldLayoutId id="2147483654" r:id="rId6"/>
-    <p:sldLayoutId id="2147483655" r:id="rId7"/>
-    <p:sldLayoutId id="2147483656" r:id="rId8"/>
-    <p:sldLayoutId id="2147483657" r:id="rId9"/>
-    <p:sldLayoutId id="2147483658" r:id="rId10"/>
-    <p:sldLayoutId id="2147483659" r:id="rId11"/>
+    <p:sldLayoutId id="2147483661" r:id="rId1"/>
+    <p:sldLayoutId id="2147483662" r:id="rId2"/>
+    <p:sldLayoutId id="2147483663" r:id="rId3"/>
+    <p:sldLayoutId id="2147483664" r:id="rId4"/>
+    <p:sldLayoutId id="2147483665" r:id="rId5"/>
+    <p:sldLayoutId id="2147483666" r:id="rId6"/>
+    <p:sldLayoutId id="2147483667" r:id="rId7"/>
+    <p:sldLayoutId id="2147483668" r:id="rId8"/>
+    <p:sldLayoutId id="2147483669" r:id="rId9"/>
+    <p:sldLayoutId id="2147483670" r:id="rId10"/>
+    <p:sldLayoutId id="2147483671" r:id="rId11"/>
   </p:sldLayoutIdLst>
   <p:txStyles>
     <p:titleStyle>
-      <a:lvl1pPr algn="l" defTabSz="914400" rtl="0" eaLnBrk="1" latinLnBrk="0" hangingPunct="1">
+      <a:lvl1pPr algn="l" defTabSz="1219170" rtl="0" eaLnBrk="1" latinLnBrk="0" hangingPunct="1">
         <a:lnSpc>
           <a:spcPct val="90000"/>
         </a:lnSpc>
@@ -3038,7 +2686,7 @@
           <a:spcPct val="0"/>
         </a:spcBef>
         <a:buNone/>
-        <a:defRPr sz="4400" kern="1200">
+        <a:defRPr sz="5867" kern="1200">
           <a:solidFill>
             <a:schemeClr val="tx1"/>
           </a:solidFill>
@@ -3049,16 +2697,16 @@
       </a:lvl1pPr>
     </p:titleStyle>
     <p:bodyStyle>
-      <a:lvl1pPr marL="228600" indent="-228600" algn="l" defTabSz="914400" rtl="0" eaLnBrk="1" latinLnBrk="0" hangingPunct="1">
+      <a:lvl1pPr marL="304792" indent="-304792" algn="l" defTabSz="1219170" rtl="0" eaLnBrk="1" latinLnBrk="0" hangingPunct="1">
         <a:lnSpc>
           <a:spcPct val="90000"/>
         </a:lnSpc>
         <a:spcBef>
-          <a:spcPts val="1000"/>
+          <a:spcPts val="1333"/>
         </a:spcBef>
         <a:buFont typeface="Arial" panose="020B0604020202020204" pitchFamily="34" charset="0"/>
         <a:buChar char="•"/>
-        <a:defRPr sz="2800" kern="1200">
+        <a:defRPr sz="3733" kern="1200">
           <a:solidFill>
             <a:schemeClr val="tx1"/>
           </a:solidFill>
@@ -3067,12 +2715,48 @@
           <a:cs typeface="+mn-cs"/>
         </a:defRPr>
       </a:lvl1pPr>
-      <a:lvl2pPr marL="685800" indent="-228600" algn="l" defTabSz="914400" rtl="0" eaLnBrk="1" latinLnBrk="0" hangingPunct="1">
+      <a:lvl2pPr marL="914377" indent="-304792" algn="l" defTabSz="1219170" rtl="0" eaLnBrk="1" latinLnBrk="0" hangingPunct="1">
         <a:lnSpc>
           <a:spcPct val="90000"/>
         </a:lnSpc>
         <a:spcBef>
-          <a:spcPts val="500"/>
+          <a:spcPts val="667"/>
+        </a:spcBef>
+        <a:buFont typeface="Arial" panose="020B0604020202020204" pitchFamily="34" charset="0"/>
+        <a:buChar char="•"/>
+        <a:defRPr sz="3200" kern="1200">
+          <a:solidFill>
+            <a:schemeClr val="tx1"/>
+          </a:solidFill>
+          <a:latin typeface="+mn-lt"/>
+          <a:ea typeface="+mn-ea"/>
+          <a:cs typeface="+mn-cs"/>
+        </a:defRPr>
+      </a:lvl2pPr>
+      <a:lvl3pPr marL="1523962" indent="-304792" algn="l" defTabSz="1219170" rtl="0" eaLnBrk="1" latinLnBrk="0" hangingPunct="1">
+        <a:lnSpc>
+          <a:spcPct val="90000"/>
+        </a:lnSpc>
+        <a:spcBef>
+          <a:spcPts val="667"/>
+        </a:spcBef>
+        <a:buFont typeface="Arial" panose="020B0604020202020204" pitchFamily="34" charset="0"/>
+        <a:buChar char="•"/>
+        <a:defRPr sz="2667" kern="1200">
+          <a:solidFill>
+            <a:schemeClr val="tx1"/>
+          </a:solidFill>
+          <a:latin typeface="+mn-lt"/>
+          <a:ea typeface="+mn-ea"/>
+          <a:cs typeface="+mn-cs"/>
+        </a:defRPr>
+      </a:lvl3pPr>
+      <a:lvl4pPr marL="2133547" indent="-304792" algn="l" defTabSz="1219170" rtl="0" eaLnBrk="1" latinLnBrk="0" hangingPunct="1">
+        <a:lnSpc>
+          <a:spcPct val="90000"/>
+        </a:lnSpc>
+        <a:spcBef>
+          <a:spcPts val="667"/>
         </a:spcBef>
         <a:buFont typeface="Arial" panose="020B0604020202020204" pitchFamily="34" charset="0"/>
         <a:buChar char="•"/>
@@ -3084,53 +2768,17 @@
           <a:ea typeface="+mn-ea"/>
           <a:cs typeface="+mn-cs"/>
         </a:defRPr>
-      </a:lvl2pPr>
-      <a:lvl3pPr marL="1143000" indent="-228600" algn="l" defTabSz="914400" rtl="0" eaLnBrk="1" latinLnBrk="0" hangingPunct="1">
+      </a:lvl4pPr>
+      <a:lvl5pPr marL="2743131" indent="-304792" algn="l" defTabSz="1219170" rtl="0" eaLnBrk="1" latinLnBrk="0" hangingPunct="1">
         <a:lnSpc>
           <a:spcPct val="90000"/>
         </a:lnSpc>
         <a:spcBef>
-          <a:spcPts val="500"/>
+          <a:spcPts val="667"/>
         </a:spcBef>
         <a:buFont typeface="Arial" panose="020B0604020202020204" pitchFamily="34" charset="0"/>
         <a:buChar char="•"/>
-        <a:defRPr sz="2000" kern="1200">
-          <a:solidFill>
-            <a:schemeClr val="tx1"/>
-          </a:solidFill>
-          <a:latin typeface="+mn-lt"/>
-          <a:ea typeface="+mn-ea"/>
-          <a:cs typeface="+mn-cs"/>
-        </a:defRPr>
-      </a:lvl3pPr>
-      <a:lvl4pPr marL="1600200" indent="-228600" algn="l" defTabSz="914400" rtl="0" eaLnBrk="1" latinLnBrk="0" hangingPunct="1">
-        <a:lnSpc>
-          <a:spcPct val="90000"/>
-        </a:lnSpc>
-        <a:spcBef>
-          <a:spcPts val="500"/>
-        </a:spcBef>
-        <a:buFont typeface="Arial" panose="020B0604020202020204" pitchFamily="34" charset="0"/>
-        <a:buChar char="•"/>
-        <a:defRPr sz="1800" kern="1200">
-          <a:solidFill>
-            <a:schemeClr val="tx1"/>
-          </a:solidFill>
-          <a:latin typeface="+mn-lt"/>
-          <a:ea typeface="+mn-ea"/>
-          <a:cs typeface="+mn-cs"/>
-        </a:defRPr>
-      </a:lvl4pPr>
-      <a:lvl5pPr marL="2057400" indent="-228600" algn="l" defTabSz="914400" rtl="0" eaLnBrk="1" latinLnBrk="0" hangingPunct="1">
-        <a:lnSpc>
-          <a:spcPct val="90000"/>
-        </a:lnSpc>
-        <a:spcBef>
-          <a:spcPts val="500"/>
-        </a:spcBef>
-        <a:buFont typeface="Arial" panose="020B0604020202020204" pitchFamily="34" charset="0"/>
-        <a:buChar char="•"/>
-        <a:defRPr sz="1800" kern="1200">
+        <a:defRPr sz="2400" kern="1200">
           <a:solidFill>
             <a:schemeClr val="tx1"/>
           </a:solidFill>
@@ -3139,16 +2787,16 @@
           <a:cs typeface="+mn-cs"/>
         </a:defRPr>
       </a:lvl5pPr>
-      <a:lvl6pPr marL="2514600" indent="-228600" algn="l" defTabSz="914400" rtl="0" eaLnBrk="1" latinLnBrk="0" hangingPunct="1">
+      <a:lvl6pPr marL="3352716" indent="-304792" algn="l" defTabSz="1219170" rtl="0" eaLnBrk="1" latinLnBrk="0" hangingPunct="1">
         <a:lnSpc>
           <a:spcPct val="90000"/>
         </a:lnSpc>
         <a:spcBef>
-          <a:spcPts val="500"/>
+          <a:spcPts val="667"/>
         </a:spcBef>
         <a:buFont typeface="Arial" panose="020B0604020202020204" pitchFamily="34" charset="0"/>
         <a:buChar char="•"/>
-        <a:defRPr sz="1800" kern="1200">
+        <a:defRPr sz="2400" kern="1200">
           <a:solidFill>
             <a:schemeClr val="tx1"/>
           </a:solidFill>
@@ -3157,16 +2805,16 @@
           <a:cs typeface="+mn-cs"/>
         </a:defRPr>
       </a:lvl6pPr>
-      <a:lvl7pPr marL="2971800" indent="-228600" algn="l" defTabSz="914400" rtl="0" eaLnBrk="1" latinLnBrk="0" hangingPunct="1">
+      <a:lvl7pPr marL="3962301" indent="-304792" algn="l" defTabSz="1219170" rtl="0" eaLnBrk="1" latinLnBrk="0" hangingPunct="1">
         <a:lnSpc>
           <a:spcPct val="90000"/>
         </a:lnSpc>
         <a:spcBef>
-          <a:spcPts val="500"/>
+          <a:spcPts val="667"/>
         </a:spcBef>
         <a:buFont typeface="Arial" panose="020B0604020202020204" pitchFamily="34" charset="0"/>
         <a:buChar char="•"/>
-        <a:defRPr sz="1800" kern="1200">
+        <a:defRPr sz="2400" kern="1200">
           <a:solidFill>
             <a:schemeClr val="tx1"/>
           </a:solidFill>
@@ -3175,16 +2823,16 @@
           <a:cs typeface="+mn-cs"/>
         </a:defRPr>
       </a:lvl7pPr>
-      <a:lvl8pPr marL="3429000" indent="-228600" algn="l" defTabSz="914400" rtl="0" eaLnBrk="1" latinLnBrk="0" hangingPunct="1">
+      <a:lvl8pPr marL="4571886" indent="-304792" algn="l" defTabSz="1219170" rtl="0" eaLnBrk="1" latinLnBrk="0" hangingPunct="1">
         <a:lnSpc>
           <a:spcPct val="90000"/>
         </a:lnSpc>
         <a:spcBef>
-          <a:spcPts val="500"/>
+          <a:spcPts val="667"/>
         </a:spcBef>
         <a:buFont typeface="Arial" panose="020B0604020202020204" pitchFamily="34" charset="0"/>
         <a:buChar char="•"/>
-        <a:defRPr sz="1800" kern="1200">
+        <a:defRPr sz="2400" kern="1200">
           <a:solidFill>
             <a:schemeClr val="tx1"/>
           </a:solidFill>
@@ -3193,16 +2841,16 @@
           <a:cs typeface="+mn-cs"/>
         </a:defRPr>
       </a:lvl8pPr>
-      <a:lvl9pPr marL="3886200" indent="-228600" algn="l" defTabSz="914400" rtl="0" eaLnBrk="1" latinLnBrk="0" hangingPunct="1">
+      <a:lvl9pPr marL="5181470" indent="-304792" algn="l" defTabSz="1219170" rtl="0" eaLnBrk="1" latinLnBrk="0" hangingPunct="1">
         <a:lnSpc>
           <a:spcPct val="90000"/>
         </a:lnSpc>
         <a:spcBef>
-          <a:spcPts val="500"/>
+          <a:spcPts val="667"/>
         </a:spcBef>
         <a:buFont typeface="Arial" panose="020B0604020202020204" pitchFamily="34" charset="0"/>
         <a:buChar char="•"/>
-        <a:defRPr sz="1800" kern="1200">
+        <a:defRPr sz="2400" kern="1200">
           <a:solidFill>
             <a:schemeClr val="tx1"/>
           </a:solidFill>
@@ -3216,8 +2864,8 @@
       <a:defPPr>
         <a:defRPr lang="en-US"/>
       </a:defPPr>
-      <a:lvl1pPr marL="0" algn="l" defTabSz="914400" rtl="0" eaLnBrk="1" latinLnBrk="0" hangingPunct="1">
-        <a:defRPr sz="1800" kern="1200">
+      <a:lvl1pPr marL="0" algn="l" defTabSz="1219170" rtl="0" eaLnBrk="1" latinLnBrk="0" hangingPunct="1">
+        <a:defRPr sz="2400" kern="1200">
           <a:solidFill>
             <a:schemeClr val="tx1"/>
           </a:solidFill>
@@ -3226,8 +2874,8 @@
           <a:cs typeface="+mn-cs"/>
         </a:defRPr>
       </a:lvl1pPr>
-      <a:lvl2pPr marL="457200" algn="l" defTabSz="914400" rtl="0" eaLnBrk="1" latinLnBrk="0" hangingPunct="1">
-        <a:defRPr sz="1800" kern="1200">
+      <a:lvl2pPr marL="609585" algn="l" defTabSz="1219170" rtl="0" eaLnBrk="1" latinLnBrk="0" hangingPunct="1">
+        <a:defRPr sz="2400" kern="1200">
           <a:solidFill>
             <a:schemeClr val="tx1"/>
           </a:solidFill>
@@ -3236,8 +2884,8 @@
           <a:cs typeface="+mn-cs"/>
         </a:defRPr>
       </a:lvl2pPr>
-      <a:lvl3pPr marL="914400" algn="l" defTabSz="914400" rtl="0" eaLnBrk="1" latinLnBrk="0" hangingPunct="1">
-        <a:defRPr sz="1800" kern="1200">
+      <a:lvl3pPr marL="1219170" algn="l" defTabSz="1219170" rtl="0" eaLnBrk="1" latinLnBrk="0" hangingPunct="1">
+        <a:defRPr sz="2400" kern="1200">
           <a:solidFill>
             <a:schemeClr val="tx1"/>
           </a:solidFill>
@@ -3246,8 +2894,8 @@
           <a:cs typeface="+mn-cs"/>
         </a:defRPr>
       </a:lvl3pPr>
-      <a:lvl4pPr marL="1371600" algn="l" defTabSz="914400" rtl="0" eaLnBrk="1" latinLnBrk="0" hangingPunct="1">
-        <a:defRPr sz="1800" kern="1200">
+      <a:lvl4pPr marL="1828754" algn="l" defTabSz="1219170" rtl="0" eaLnBrk="1" latinLnBrk="0" hangingPunct="1">
+        <a:defRPr sz="2400" kern="1200">
           <a:solidFill>
             <a:schemeClr val="tx1"/>
           </a:solidFill>
@@ -3256,8 +2904,8 @@
           <a:cs typeface="+mn-cs"/>
         </a:defRPr>
       </a:lvl4pPr>
-      <a:lvl5pPr marL="1828800" algn="l" defTabSz="914400" rtl="0" eaLnBrk="1" latinLnBrk="0" hangingPunct="1">
-        <a:defRPr sz="1800" kern="1200">
+      <a:lvl5pPr marL="2438339" algn="l" defTabSz="1219170" rtl="0" eaLnBrk="1" latinLnBrk="0" hangingPunct="1">
+        <a:defRPr sz="2400" kern="1200">
           <a:solidFill>
             <a:schemeClr val="tx1"/>
           </a:solidFill>
@@ -3266,8 +2914,8 @@
           <a:cs typeface="+mn-cs"/>
         </a:defRPr>
       </a:lvl5pPr>
-      <a:lvl6pPr marL="2286000" algn="l" defTabSz="914400" rtl="0" eaLnBrk="1" latinLnBrk="0" hangingPunct="1">
-        <a:defRPr sz="1800" kern="1200">
+      <a:lvl6pPr marL="3047924" algn="l" defTabSz="1219170" rtl="0" eaLnBrk="1" latinLnBrk="0" hangingPunct="1">
+        <a:defRPr sz="2400" kern="1200">
           <a:solidFill>
             <a:schemeClr val="tx1"/>
           </a:solidFill>
@@ -3276,8 +2924,8 @@
           <a:cs typeface="+mn-cs"/>
         </a:defRPr>
       </a:lvl6pPr>
-      <a:lvl7pPr marL="2743200" algn="l" defTabSz="914400" rtl="0" eaLnBrk="1" latinLnBrk="0" hangingPunct="1">
-        <a:defRPr sz="1800" kern="1200">
+      <a:lvl7pPr marL="3657509" algn="l" defTabSz="1219170" rtl="0" eaLnBrk="1" latinLnBrk="0" hangingPunct="1">
+        <a:defRPr sz="2400" kern="1200">
           <a:solidFill>
             <a:schemeClr val="tx1"/>
           </a:solidFill>
@@ -3286,8 +2934,8 @@
           <a:cs typeface="+mn-cs"/>
         </a:defRPr>
       </a:lvl7pPr>
-      <a:lvl8pPr marL="3200400" algn="l" defTabSz="914400" rtl="0" eaLnBrk="1" latinLnBrk="0" hangingPunct="1">
-        <a:defRPr sz="1800" kern="1200">
+      <a:lvl8pPr marL="4267093" algn="l" defTabSz="1219170" rtl="0" eaLnBrk="1" latinLnBrk="0" hangingPunct="1">
+        <a:defRPr sz="2400" kern="1200">
           <a:solidFill>
             <a:schemeClr val="tx1"/>
           </a:solidFill>
@@ -3296,8 +2944,8 @@
           <a:cs typeface="+mn-cs"/>
         </a:defRPr>
       </a:lvl8pPr>
-      <a:lvl9pPr marL="3657600" algn="l" defTabSz="914400" rtl="0" eaLnBrk="1" latinLnBrk="0" hangingPunct="1">
-        <a:defRPr sz="1800" kern="1200">
+      <a:lvl9pPr marL="4876678" algn="l" defTabSz="1219170" rtl="0" eaLnBrk="1" latinLnBrk="0" hangingPunct="1">
+        <a:defRPr sz="2400" kern="1200">
           <a:solidFill>
             <a:schemeClr val="tx1"/>
           </a:solidFill>
@@ -3342,7 +2990,7 @@
         </p:nvGrpSpPr>
         <p:grpSpPr>
           <a:xfrm>
-            <a:off x="2086593" y="1013339"/>
+            <a:off x="2086594" y="5356739"/>
             <a:ext cx="6691341" cy="3020148"/>
             <a:chOff x="1037850" y="1013339"/>
             <a:chExt cx="6691341" cy="3020148"/>
@@ -3433,7 +3081,7 @@
         </p:nvSpPr>
         <p:spPr>
           <a:xfrm>
-            <a:off x="4962028" y="1057410"/>
+            <a:off x="4962029" y="5400810"/>
             <a:ext cx="184731" cy="369332"/>
           </a:xfrm>
           <a:prstGeom prst="rect">
@@ -3468,7 +3116,7 @@
         </p:nvSpPr>
         <p:spPr>
           <a:xfrm>
-            <a:off x="4723678" y="1165132"/>
+            <a:off x="4723678" y="5508532"/>
             <a:ext cx="1880804" cy="261610"/>
           </a:xfrm>
           <a:prstGeom prst="rect">
@@ -3507,7 +3155,7 @@
         </p:nvGrpSpPr>
         <p:grpSpPr>
           <a:xfrm>
-            <a:off x="2086593" y="3961457"/>
+            <a:off x="2086594" y="8304857"/>
             <a:ext cx="6691341" cy="2702338"/>
             <a:chOff x="2086593" y="3739939"/>
             <a:chExt cx="6691341" cy="2702338"/>
@@ -3611,7 +3259,7 @@
         </p:blipFill>
         <p:spPr>
           <a:xfrm>
-            <a:off x="8701369" y="1545374"/>
+            <a:off x="8701369" y="5888775"/>
             <a:ext cx="761282" cy="4389129"/>
           </a:xfrm>
           <a:prstGeom prst="rect">
@@ -3633,7 +3281,7 @@
         </p:nvSpPr>
         <p:spPr>
           <a:xfrm>
-            <a:off x="4744597" y="3815946"/>
+            <a:off x="4744598" y="8159346"/>
             <a:ext cx="1838965" cy="261610"/>
           </a:xfrm>
           <a:prstGeom prst="rect">
@@ -3702,7 +3350,7 @@
         </p:nvGrpSpPr>
         <p:grpSpPr>
           <a:xfrm>
-            <a:off x="3413463" y="614292"/>
+            <a:off x="3413463" y="4957693"/>
             <a:ext cx="4408774" cy="5158905"/>
             <a:chOff x="3790491" y="341271"/>
             <a:chExt cx="4408774" cy="5158905"/>
@@ -3825,7 +3473,7 @@
         </p:nvGrpSpPr>
         <p:grpSpPr>
           <a:xfrm>
-            <a:off x="392044" y="974416"/>
+            <a:off x="531448" y="4450309"/>
             <a:ext cx="11129104" cy="4389129"/>
             <a:chOff x="392044" y="974416"/>
             <a:chExt cx="11129104" cy="4389129"/>
@@ -3917,10 +3565,554 @@
 </p:sld>
 </file>
 
+<file path=ppt/slides/slide4.xml><?xml version="1.0" encoding="utf-8"?>
+<p:sld xmlns:a="http://schemas.openxmlformats.org/drawingml/2006/main" xmlns:r="http://schemas.openxmlformats.org/officeDocument/2006/relationships" xmlns:p="http://schemas.openxmlformats.org/presentationml/2006/main">
+  <p:cSld>
+    <p:spTree>
+      <p:nvGrpSpPr>
+        <p:cNvPr id="1" name=""/>
+        <p:cNvGrpSpPr/>
+        <p:nvPr/>
+      </p:nvGrpSpPr>
+      <p:grpSpPr>
+        <a:xfrm>
+          <a:off x="0" y="0"/>
+          <a:ext cx="0" cy="0"/>
+          <a:chOff x="0" y="0"/>
+          <a:chExt cx="0" cy="0"/>
+        </a:xfrm>
+      </p:grpSpPr>
+      <p:sp>
+        <p:nvSpPr>
+          <p:cNvPr id="12" name="TextBox 11">
+            <a:extLst>
+              <a:ext uri="{FF2B5EF4-FFF2-40B4-BE49-F238E27FC236}">
+                <a16:creationId xmlns:a16="http://schemas.microsoft.com/office/drawing/2014/main" id="{B8A2EB1C-8F73-D70A-19DC-A3E0A18F8106}"/>
+              </a:ext>
+            </a:extLst>
+          </p:cNvPr>
+          <p:cNvSpPr txBox="1"/>
+          <p:nvPr/>
+        </p:nvSpPr>
+        <p:spPr>
+          <a:xfrm>
+            <a:off x="2541179" y="452705"/>
+            <a:ext cx="7109639" cy="461665"/>
+          </a:xfrm>
+          <a:prstGeom prst="rect">
+            <a:avLst/>
+          </a:prstGeom>
+          <a:noFill/>
+        </p:spPr>
+        <p:txBody>
+          <a:bodyPr wrap="none" rtlCol="0">
+            <a:spAutoFit/>
+          </a:bodyPr>
+          <a:lstStyle/>
+          <a:p>
+            <a:r>
+              <a:rPr lang="en-US" sz="2400" dirty="0">
+                <a:latin typeface="DejaVu Sans" panose="020B0603030804020204" pitchFamily="34" charset="0"/>
+                <a:ea typeface="DejaVu Sans" panose="020B0603030804020204" pitchFamily="34" charset="0"/>
+                <a:cs typeface="DejaVu Sans" panose="020B0603030804020204" pitchFamily="34" charset="0"/>
+              </a:rPr>
+              <a:t>Descriptive statistics for first detection years</a:t>
+            </a:r>
+          </a:p>
+        </p:txBody>
+      </p:sp>
+      <p:grpSp>
+        <p:nvGrpSpPr>
+          <p:cNvPr id="19" name="Group 18">
+            <a:extLst>
+              <a:ext uri="{FF2B5EF4-FFF2-40B4-BE49-F238E27FC236}">
+                <a16:creationId xmlns:a16="http://schemas.microsoft.com/office/drawing/2014/main" id="{B2309271-AA6C-091B-E5BC-C81C9C9254D2}"/>
+              </a:ext>
+            </a:extLst>
+          </p:cNvPr>
+          <p:cNvGrpSpPr/>
+          <p:nvPr/>
+        </p:nvGrpSpPr>
+        <p:grpSpPr>
+          <a:xfrm>
+            <a:off x="1523988" y="914370"/>
+            <a:ext cx="9144019" cy="14630430"/>
+            <a:chOff x="1523988" y="914370"/>
+            <a:chExt cx="9144019" cy="14630430"/>
+          </a:xfrm>
+        </p:grpSpPr>
+        <p:pic>
+          <p:nvPicPr>
+            <p:cNvPr id="16" name="Picture 15" descr="Application&#10;&#10;Description automatically generated with medium confidence">
+              <a:extLst>
+                <a:ext uri="{FF2B5EF4-FFF2-40B4-BE49-F238E27FC236}">
+                  <a16:creationId xmlns:a16="http://schemas.microsoft.com/office/drawing/2014/main" id="{660ECBF1-28A9-FB31-5B02-66184F3A5EC9}"/>
+                </a:ext>
+              </a:extLst>
+            </p:cNvPr>
+            <p:cNvPicPr>
+              <a:picLocks noChangeAspect="1"/>
+            </p:cNvPicPr>
+            <p:nvPr/>
+          </p:nvPicPr>
+          <p:blipFill>
+            <a:blip r:embed="rId2">
+              <a:extLst>
+                <a:ext uri="{28A0092B-C50C-407E-A947-70E740481C1C}">
+                  <a14:useLocalDpi xmlns:a14="http://schemas.microsoft.com/office/drawing/2010/main" val="0"/>
+                </a:ext>
+              </a:extLst>
+            </a:blip>
+            <a:stretch>
+              <a:fillRect/>
+            </a:stretch>
+          </p:blipFill>
+          <p:spPr>
+            <a:xfrm>
+              <a:off x="1523988" y="914370"/>
+              <a:ext cx="9144019" cy="7315215"/>
+            </a:xfrm>
+            <a:prstGeom prst="rect">
+              <a:avLst/>
+            </a:prstGeom>
+          </p:spPr>
+        </p:pic>
+        <p:pic>
+          <p:nvPicPr>
+            <p:cNvPr id="18" name="Picture 17" descr="Application, Word, waterfall chart&#10;&#10;Description automatically generated">
+              <a:extLst>
+                <a:ext uri="{FF2B5EF4-FFF2-40B4-BE49-F238E27FC236}">
+                  <a16:creationId xmlns:a16="http://schemas.microsoft.com/office/drawing/2014/main" id="{65B9A71A-A582-9E70-8DB3-251646EF44D5}"/>
+                </a:ext>
+              </a:extLst>
+            </p:cNvPr>
+            <p:cNvPicPr>
+              <a:picLocks noChangeAspect="1"/>
+            </p:cNvPicPr>
+            <p:nvPr/>
+          </p:nvPicPr>
+          <p:blipFill>
+            <a:blip r:embed="rId3">
+              <a:extLst>
+                <a:ext uri="{28A0092B-C50C-407E-A947-70E740481C1C}">
+                  <a14:useLocalDpi xmlns:a14="http://schemas.microsoft.com/office/drawing/2010/main" val="0"/>
+                </a:ext>
+              </a:extLst>
+            </a:blip>
+            <a:stretch>
+              <a:fillRect/>
+            </a:stretch>
+          </p:blipFill>
+          <p:spPr>
+            <a:xfrm>
+              <a:off x="1523988" y="8229585"/>
+              <a:ext cx="9144019" cy="7315215"/>
+            </a:xfrm>
+            <a:prstGeom prst="rect">
+              <a:avLst/>
+            </a:prstGeom>
+          </p:spPr>
+        </p:pic>
+      </p:grpSp>
+    </p:spTree>
+    <p:extLst>
+      <p:ext uri="{BB962C8B-B14F-4D97-AF65-F5344CB8AC3E}">
+        <p14:creationId xmlns:p14="http://schemas.microsoft.com/office/powerpoint/2010/main" val="42521986"/>
+      </p:ext>
+    </p:extLst>
+  </p:cSld>
+  <p:clrMapOvr>
+    <a:masterClrMapping/>
+  </p:clrMapOvr>
+</p:sld>
+</file>
+
+<file path=ppt/slides/slide5.xml><?xml version="1.0" encoding="utf-8"?>
+<p:sld xmlns:a="http://schemas.openxmlformats.org/drawingml/2006/main" xmlns:r="http://schemas.openxmlformats.org/officeDocument/2006/relationships" xmlns:p="http://schemas.openxmlformats.org/presentationml/2006/main">
+  <p:cSld>
+    <p:spTree>
+      <p:nvGrpSpPr>
+        <p:cNvPr id="1" name=""/>
+        <p:cNvGrpSpPr/>
+        <p:nvPr/>
+      </p:nvGrpSpPr>
+      <p:grpSpPr>
+        <a:xfrm>
+          <a:off x="0" y="0"/>
+          <a:ext cx="0" cy="0"/>
+          <a:chOff x="0" y="0"/>
+          <a:chExt cx="0" cy="0"/>
+        </a:xfrm>
+      </p:grpSpPr>
+      <p:pic>
+        <p:nvPicPr>
+          <p:cNvPr id="5" name="Content Placeholder 4" descr="Chart&#10;&#10;Description automatically generated">
+            <a:extLst>
+              <a:ext uri="{FF2B5EF4-FFF2-40B4-BE49-F238E27FC236}">
+                <a16:creationId xmlns:a16="http://schemas.microsoft.com/office/drawing/2014/main" id="{C44750F6-7589-F42F-11A1-8E68C146BFDC}"/>
+              </a:ext>
+            </a:extLst>
+          </p:cNvPr>
+          <p:cNvPicPr>
+            <a:picLocks noGrp="1" noChangeAspect="1"/>
+          </p:cNvPicPr>
+          <p:nvPr>
+            <p:ph idx="1"/>
+          </p:nvPr>
+        </p:nvPicPr>
+        <p:blipFill rotWithShape="1">
+          <a:blip r:embed="rId2">
+            <a:extLst>
+              <a:ext uri="{28A0092B-C50C-407E-A947-70E740481C1C}">
+                <a14:useLocalDpi xmlns:a14="http://schemas.microsoft.com/office/drawing/2010/main" val="0"/>
+              </a:ext>
+            </a:extLst>
+          </a:blip>
+          <a:srcRect r="17671"/>
+          <a:stretch/>
+        </p:blipFill>
+        <p:spPr>
+          <a:xfrm>
+            <a:off x="494786" y="2297680"/>
+            <a:ext cx="4817994" cy="4389129"/>
+          </a:xfrm>
+        </p:spPr>
+      </p:pic>
+      <p:pic>
+        <p:nvPicPr>
+          <p:cNvPr id="7" name="Picture 6" descr="Chart&#10;&#10;Description automatically generated">
+            <a:extLst>
+              <a:ext uri="{FF2B5EF4-FFF2-40B4-BE49-F238E27FC236}">
+                <a16:creationId xmlns:a16="http://schemas.microsoft.com/office/drawing/2014/main" id="{7F3EB947-0A8B-1FF4-E44A-81F8A13BDC14}"/>
+              </a:ext>
+            </a:extLst>
+          </p:cNvPr>
+          <p:cNvPicPr>
+            <a:picLocks noChangeAspect="1"/>
+          </p:cNvPicPr>
+          <p:nvPr/>
+        </p:nvPicPr>
+        <p:blipFill rotWithShape="1">
+          <a:blip r:embed="rId3">
+            <a:extLst>
+              <a:ext uri="{28A0092B-C50C-407E-A947-70E740481C1C}">
+                <a14:useLocalDpi xmlns:a14="http://schemas.microsoft.com/office/drawing/2010/main" val="0"/>
+              </a:ext>
+            </a:extLst>
+          </a:blip>
+          <a:srcRect r="17671"/>
+          <a:stretch/>
+        </p:blipFill>
+        <p:spPr>
+          <a:xfrm>
+            <a:off x="5312780" y="2297679"/>
+            <a:ext cx="4817994" cy="4389129"/>
+          </a:xfrm>
+          <a:prstGeom prst="rect">
+            <a:avLst/>
+          </a:prstGeom>
+        </p:spPr>
+      </p:pic>
+      <p:pic>
+        <p:nvPicPr>
+          <p:cNvPr id="9" name="Picture 8" descr="Chart&#10;&#10;Description automatically generated">
+            <a:extLst>
+              <a:ext uri="{FF2B5EF4-FFF2-40B4-BE49-F238E27FC236}">
+                <a16:creationId xmlns:a16="http://schemas.microsoft.com/office/drawing/2014/main" id="{BE4ABF58-8235-78FB-ADDF-673EDF4D566D}"/>
+              </a:ext>
+            </a:extLst>
+          </p:cNvPr>
+          <p:cNvPicPr>
+            <a:picLocks noChangeAspect="1"/>
+          </p:cNvPicPr>
+          <p:nvPr/>
+        </p:nvPicPr>
+        <p:blipFill rotWithShape="1">
+          <a:blip r:embed="rId4">
+            <a:extLst>
+              <a:ext uri="{28A0092B-C50C-407E-A947-70E740481C1C}">
+                <a14:useLocalDpi xmlns:a14="http://schemas.microsoft.com/office/drawing/2010/main" val="0"/>
+              </a:ext>
+            </a:extLst>
+          </a:blip>
+          <a:srcRect r="17671"/>
+          <a:stretch/>
+        </p:blipFill>
+        <p:spPr>
+          <a:xfrm>
+            <a:off x="494786" y="6327761"/>
+            <a:ext cx="4817994" cy="4389129"/>
+          </a:xfrm>
+          <a:prstGeom prst="rect">
+            <a:avLst/>
+          </a:prstGeom>
+        </p:spPr>
+      </p:pic>
+      <p:pic>
+        <p:nvPicPr>
+          <p:cNvPr id="11" name="Picture 10" descr="Chart, treemap chart&#10;&#10;Description automatically generated">
+            <a:extLst>
+              <a:ext uri="{FF2B5EF4-FFF2-40B4-BE49-F238E27FC236}">
+                <a16:creationId xmlns:a16="http://schemas.microsoft.com/office/drawing/2014/main" id="{B8BE6294-C9D1-E1A4-5FD3-7A615D0A730E}"/>
+              </a:ext>
+            </a:extLst>
+          </p:cNvPr>
+          <p:cNvPicPr>
+            <a:picLocks noChangeAspect="1"/>
+          </p:cNvPicPr>
+          <p:nvPr/>
+        </p:nvPicPr>
+        <p:blipFill rotWithShape="1">
+          <a:blip r:embed="rId5">
+            <a:extLst>
+              <a:ext uri="{28A0092B-C50C-407E-A947-70E740481C1C}">
+                <a14:useLocalDpi xmlns:a14="http://schemas.microsoft.com/office/drawing/2010/main" val="0"/>
+              </a:ext>
+            </a:extLst>
+          </a:blip>
+          <a:srcRect r="17671"/>
+          <a:stretch/>
+        </p:blipFill>
+        <p:spPr>
+          <a:xfrm>
+            <a:off x="5312780" y="6327761"/>
+            <a:ext cx="4817994" cy="4389129"/>
+          </a:xfrm>
+          <a:prstGeom prst="rect">
+            <a:avLst/>
+          </a:prstGeom>
+        </p:spPr>
+      </p:pic>
+      <p:sp>
+        <p:nvSpPr>
+          <p:cNvPr id="12" name="TextBox 11">
+            <a:extLst>
+              <a:ext uri="{FF2B5EF4-FFF2-40B4-BE49-F238E27FC236}">
+                <a16:creationId xmlns:a16="http://schemas.microsoft.com/office/drawing/2014/main" id="{AC6AA60F-4FE0-E913-B6FE-B820FD618693}"/>
+              </a:ext>
+            </a:extLst>
+          </p:cNvPr>
+          <p:cNvSpPr txBox="1"/>
+          <p:nvPr/>
+        </p:nvSpPr>
+        <p:spPr>
+          <a:xfrm>
+            <a:off x="3945658" y="2506251"/>
+            <a:ext cx="2933564" cy="369333"/>
+          </a:xfrm>
+          <a:prstGeom prst="rect">
+            <a:avLst/>
+          </a:prstGeom>
+          <a:noFill/>
+        </p:spPr>
+        <p:txBody>
+          <a:bodyPr wrap="square" rtlCol="0">
+            <a:spAutoFit/>
+          </a:bodyPr>
+          <a:lstStyle/>
+          <a:p>
+            <a:r>
+              <a:rPr lang="en-US" dirty="0">
+                <a:latin typeface="DejaVu Sans" panose="020B0603030804020204" pitchFamily="34" charset="0"/>
+                <a:ea typeface="DejaVu Sans" panose="020B0603030804020204" pitchFamily="34" charset="0"/>
+                <a:cs typeface="DejaVu Sans" panose="020B0603030804020204" pitchFamily="34" charset="0"/>
+              </a:rPr>
+              <a:t>Water supply reliability</a:t>
+            </a:r>
+          </a:p>
+        </p:txBody>
+      </p:sp>
+      <p:sp>
+        <p:nvSpPr>
+          <p:cNvPr id="13" name="TextBox 12">
+            <a:extLst>
+              <a:ext uri="{FF2B5EF4-FFF2-40B4-BE49-F238E27FC236}">
+                <a16:creationId xmlns:a16="http://schemas.microsoft.com/office/drawing/2014/main" id="{F6BE4842-610E-E808-8734-32F54B424142}"/>
+              </a:ext>
+            </a:extLst>
+          </p:cNvPr>
+          <p:cNvSpPr txBox="1"/>
+          <p:nvPr/>
+        </p:nvSpPr>
+        <p:spPr>
+          <a:xfrm>
+            <a:off x="3871648" y="6536333"/>
+            <a:ext cx="2882264" cy="369332"/>
+          </a:xfrm>
+          <a:prstGeom prst="rect">
+            <a:avLst/>
+          </a:prstGeom>
+          <a:noFill/>
+        </p:spPr>
+        <p:txBody>
+          <a:bodyPr wrap="none" rtlCol="0">
+            <a:spAutoFit/>
+          </a:bodyPr>
+          <a:lstStyle/>
+          <a:p>
+            <a:r>
+              <a:rPr lang="en-US" dirty="0">
+                <a:latin typeface="DejaVu Sans" panose="020B0603030804020204" pitchFamily="34" charset="0"/>
+                <a:ea typeface="DejaVu Sans" panose="020B0603030804020204" pitchFamily="34" charset="0"/>
+                <a:cs typeface="DejaVu Sans" panose="020B0603030804020204" pitchFamily="34" charset="0"/>
+              </a:rPr>
+              <a:t>Upstream flood volume</a:t>
+            </a:r>
+          </a:p>
+        </p:txBody>
+      </p:sp>
+      <p:pic>
+        <p:nvPicPr>
+          <p:cNvPr id="15" name="Picture 14" descr="Chart&#10;&#10;Description automatically generated">
+            <a:extLst>
+              <a:ext uri="{FF2B5EF4-FFF2-40B4-BE49-F238E27FC236}">
+                <a16:creationId xmlns:a16="http://schemas.microsoft.com/office/drawing/2014/main" id="{A84EEBDF-76CE-4DBC-799E-B02758DC81B7}"/>
+              </a:ext>
+            </a:extLst>
+          </p:cNvPr>
+          <p:cNvPicPr>
+            <a:picLocks noChangeAspect="1"/>
+          </p:cNvPicPr>
+          <p:nvPr/>
+        </p:nvPicPr>
+        <p:blipFill rotWithShape="1">
+          <a:blip r:embed="rId2">
+            <a:extLst>
+              <a:ext uri="{28A0092B-C50C-407E-A947-70E740481C1C}">
+                <a14:useLocalDpi xmlns:a14="http://schemas.microsoft.com/office/drawing/2010/main" val="0"/>
+              </a:ext>
+            </a:extLst>
+          </a:blip>
+          <a:srcRect l="81622"/>
+          <a:stretch/>
+        </p:blipFill>
+        <p:spPr>
+          <a:xfrm>
+            <a:off x="10130774" y="4468864"/>
+            <a:ext cx="1075515" cy="4389129"/>
+          </a:xfrm>
+          <a:prstGeom prst="rect">
+            <a:avLst/>
+          </a:prstGeom>
+        </p:spPr>
+      </p:pic>
+    </p:spTree>
+    <p:extLst>
+      <p:ext uri="{BB962C8B-B14F-4D97-AF65-F5344CB8AC3E}">
+        <p14:creationId xmlns:p14="http://schemas.microsoft.com/office/powerpoint/2010/main" val="2306383428"/>
+      </p:ext>
+    </p:extLst>
+  </p:cSld>
+  <p:clrMapOvr>
+    <a:masterClrMapping/>
+  </p:clrMapOvr>
+</p:sld>
+</file>
+
+<file path=ppt/slides/slide6.xml><?xml version="1.0" encoding="utf-8"?>
+<p:sld xmlns:a="http://schemas.openxmlformats.org/drawingml/2006/main" xmlns:r="http://schemas.openxmlformats.org/officeDocument/2006/relationships" xmlns:p="http://schemas.openxmlformats.org/presentationml/2006/main">
+  <p:cSld>
+    <p:spTree>
+      <p:nvGrpSpPr>
+        <p:cNvPr id="1" name=""/>
+        <p:cNvGrpSpPr/>
+        <p:nvPr/>
+      </p:nvGrpSpPr>
+      <p:grpSpPr>
+        <a:xfrm>
+          <a:off x="0" y="0"/>
+          <a:ext cx="0" cy="0"/>
+          <a:chOff x="0" y="0"/>
+          <a:chExt cx="0" cy="0"/>
+        </a:xfrm>
+      </p:grpSpPr>
+      <p:pic>
+        <p:nvPicPr>
+          <p:cNvPr id="5" name="Content Placeholder 4" descr="Chart, line chart&#10;&#10;Description automatically generated">
+            <a:extLst>
+              <a:ext uri="{FF2B5EF4-FFF2-40B4-BE49-F238E27FC236}">
+                <a16:creationId xmlns:a16="http://schemas.microsoft.com/office/drawing/2014/main" id="{DC5430DD-3911-1BD5-8492-353651879CB2}"/>
+              </a:ext>
+            </a:extLst>
+          </p:cNvPr>
+          <p:cNvPicPr>
+            <a:picLocks noGrp="1" noChangeAspect="1"/>
+          </p:cNvPicPr>
+          <p:nvPr>
+            <p:ph idx="1"/>
+          </p:nvPr>
+        </p:nvPicPr>
+        <p:blipFill rotWithShape="1">
+          <a:blip r:embed="rId2">
+            <a:extLst>
+              <a:ext uri="{28A0092B-C50C-407E-A947-70E740481C1C}">
+                <a14:useLocalDpi xmlns:a14="http://schemas.microsoft.com/office/drawing/2010/main" val="0"/>
+              </a:ext>
+            </a:extLst>
+          </a:blip>
+          <a:srcRect b="7052"/>
+          <a:stretch/>
+        </p:blipFill>
+        <p:spPr>
+          <a:xfrm>
+            <a:off x="2153912" y="3522817"/>
+            <a:ext cx="7315215" cy="4249583"/>
+          </a:xfrm>
+        </p:spPr>
+      </p:pic>
+      <p:pic>
+        <p:nvPicPr>
+          <p:cNvPr id="7" name="Picture 6" descr="Chart, line chart&#10;&#10;Description automatically generated">
+            <a:extLst>
+              <a:ext uri="{FF2B5EF4-FFF2-40B4-BE49-F238E27FC236}">
+                <a16:creationId xmlns:a16="http://schemas.microsoft.com/office/drawing/2014/main" id="{6EC9FDE0-ADDB-C972-07E2-FE2FA55BBC45}"/>
+              </a:ext>
+            </a:extLst>
+          </p:cNvPr>
+          <p:cNvPicPr>
+            <a:picLocks noChangeAspect="1"/>
+          </p:cNvPicPr>
+          <p:nvPr/>
+        </p:nvPicPr>
+        <p:blipFill>
+          <a:blip r:embed="rId3">
+            <a:extLst>
+              <a:ext uri="{28A0092B-C50C-407E-A947-70E740481C1C}">
+                <a14:useLocalDpi xmlns:a14="http://schemas.microsoft.com/office/drawing/2010/main" val="0"/>
+              </a:ext>
+            </a:extLst>
+          </a:blip>
+          <a:stretch>
+            <a:fillRect/>
+          </a:stretch>
+        </p:blipFill>
+        <p:spPr>
+          <a:xfrm>
+            <a:off x="2153912" y="7711444"/>
+            <a:ext cx="7315215" cy="4572009"/>
+          </a:xfrm>
+          <a:prstGeom prst="rect">
+            <a:avLst/>
+          </a:prstGeom>
+        </p:spPr>
+      </p:pic>
+    </p:spTree>
+    <p:extLst>
+      <p:ext uri="{BB962C8B-B14F-4D97-AF65-F5344CB8AC3E}">
+        <p14:creationId xmlns:p14="http://schemas.microsoft.com/office/powerpoint/2010/main" val="2940556912"/>
+      </p:ext>
+    </p:extLst>
+  </p:cSld>
+  <p:clrMapOvr>
+    <a:masterClrMapping/>
+  </p:clrMapOvr>
+</p:sld>
+</file>
+
 <file path=ppt/theme/theme1.xml><?xml version="1.0" encoding="utf-8"?>
 <a:theme xmlns:a="http://schemas.openxmlformats.org/drawingml/2006/main" name="Office Theme">
   <a:themeElements>
-    <a:clrScheme name="Office">
+    <a:clrScheme name="Office Theme">
       <a:dk1>
         <a:sysClr val="windowText" lastClr="000000"/>
       </a:dk1>
@@ -3958,7 +4150,7 @@
         <a:srgbClr val="954F72"/>
       </a:folHlink>
     </a:clrScheme>
-    <a:fontScheme name="Office">
+    <a:fontScheme name="Office Theme">
       <a:majorFont>
         <a:latin typeface="Calibri Light" panose="020F0302020204030204"/>
         <a:ea typeface=""/>
@@ -3993,23 +4185,6 @@
         <a:font script="Viet" typeface="Times New Roman"/>
         <a:font script="Uigh" typeface="Microsoft Uighur"/>
         <a:font script="Geor" typeface="Sylfaen"/>
-        <a:font script="Armn" typeface="Arial"/>
-        <a:font script="Bugi" typeface="Leelawadee UI"/>
-        <a:font script="Bopo" typeface="Microsoft JhengHei"/>
-        <a:font script="Java" typeface="Javanese Text"/>
-        <a:font script="Lisu" typeface="Segoe UI"/>
-        <a:font script="Mymr" typeface="Myanmar Text"/>
-        <a:font script="Nkoo" typeface="Ebrima"/>
-        <a:font script="Olck" typeface="Nirmala UI"/>
-        <a:font script="Osma" typeface="Ebrima"/>
-        <a:font script="Phag" typeface="Phagspa"/>
-        <a:font script="Syrn" typeface="Estrangelo Edessa"/>
-        <a:font script="Syrj" typeface="Estrangelo Edessa"/>
-        <a:font script="Syre" typeface="Estrangelo Edessa"/>
-        <a:font script="Sora" typeface="Nirmala UI"/>
-        <a:font script="Tale" typeface="Microsoft Tai Le"/>
-        <a:font script="Talu" typeface="Microsoft New Tai Lue"/>
-        <a:font script="Tfng" typeface="Ebrima"/>
       </a:majorFont>
       <a:minorFont>
         <a:latin typeface="Calibri" panose="020F0502020204030204"/>
@@ -4045,26 +4220,9 @@
         <a:font script="Viet" typeface="Arial"/>
         <a:font script="Uigh" typeface="Microsoft Uighur"/>
         <a:font script="Geor" typeface="Sylfaen"/>
-        <a:font script="Armn" typeface="Arial"/>
-        <a:font script="Bugi" typeface="Leelawadee UI"/>
-        <a:font script="Bopo" typeface="Microsoft JhengHei"/>
-        <a:font script="Java" typeface="Javanese Text"/>
-        <a:font script="Lisu" typeface="Segoe UI"/>
-        <a:font script="Mymr" typeface="Myanmar Text"/>
-        <a:font script="Nkoo" typeface="Ebrima"/>
-        <a:font script="Olck" typeface="Nirmala UI"/>
-        <a:font script="Osma" typeface="Ebrima"/>
-        <a:font script="Phag" typeface="Phagspa"/>
-        <a:font script="Syrn" typeface="Estrangelo Edessa"/>
-        <a:font script="Syrj" typeface="Estrangelo Edessa"/>
-        <a:font script="Syre" typeface="Estrangelo Edessa"/>
-        <a:font script="Sora" typeface="Nirmala UI"/>
-        <a:font script="Tale" typeface="Microsoft Tai Le"/>
-        <a:font script="Talu" typeface="Microsoft New Tai Lue"/>
-        <a:font script="Tfng" typeface="Ebrima"/>
       </a:minorFont>
     </a:fontScheme>
-    <a:fmtScheme name="Office">
+    <a:fmtScheme name="Office Theme">
       <a:fillStyleLst>
         <a:solidFill>
           <a:schemeClr val="phClr"/>

--- a/significance_results/article_figures/figures.pptx
+++ b/significance_results/article_figures/figures.pptx
@@ -8,9 +8,12 @@
     <p:sldId id="256" r:id="rId2"/>
     <p:sldId id="257" r:id="rId3"/>
     <p:sldId id="258" r:id="rId4"/>
-    <p:sldId id="259" r:id="rId5"/>
-    <p:sldId id="260" r:id="rId6"/>
-    <p:sldId id="261" r:id="rId7"/>
+    <p:sldId id="262" r:id="rId5"/>
+    <p:sldId id="259" r:id="rId6"/>
+    <p:sldId id="260" r:id="rId7"/>
+    <p:sldId id="261" r:id="rId8"/>
+    <p:sldId id="263" r:id="rId9"/>
+    <p:sldId id="264" r:id="rId10"/>
   </p:sldIdLst>
   <p:sldSz cx="12192000" cy="15544800"/>
   <p:notesSz cx="6858000" cy="9144000"/>
@@ -248,7 +251,7 @@
           <a:p>
             <a:fld id="{4435414B-ADD2-43DE-9D73-0125DC6028B1}" type="datetimeFigureOut">
               <a:rPr lang="en-US" smtClean="0"/>
-              <a:t>9/27/2022</a:t>
+              <a:t>11/10/2022</a:t>
             </a:fld>
             <a:endParaRPr lang="en-US"/>
           </a:p>
@@ -418,7 +421,7 @@
           <a:p>
             <a:fld id="{4435414B-ADD2-43DE-9D73-0125DC6028B1}" type="datetimeFigureOut">
               <a:rPr lang="en-US" smtClean="0"/>
-              <a:t>9/27/2022</a:t>
+              <a:t>11/10/2022</a:t>
             </a:fld>
             <a:endParaRPr lang="en-US"/>
           </a:p>
@@ -598,7 +601,7 @@
           <a:p>
             <a:fld id="{4435414B-ADD2-43DE-9D73-0125DC6028B1}" type="datetimeFigureOut">
               <a:rPr lang="en-US" smtClean="0"/>
-              <a:t>9/27/2022</a:t>
+              <a:t>11/10/2022</a:t>
             </a:fld>
             <a:endParaRPr lang="en-US"/>
           </a:p>
@@ -768,7 +771,7 @@
           <a:p>
             <a:fld id="{4435414B-ADD2-43DE-9D73-0125DC6028B1}" type="datetimeFigureOut">
               <a:rPr lang="en-US" smtClean="0"/>
-              <a:t>9/27/2022</a:t>
+              <a:t>11/10/2022</a:t>
             </a:fld>
             <a:endParaRPr lang="en-US"/>
           </a:p>
@@ -1012,7 +1015,7 @@
           <a:p>
             <a:fld id="{4435414B-ADD2-43DE-9D73-0125DC6028B1}" type="datetimeFigureOut">
               <a:rPr lang="en-US" smtClean="0"/>
-              <a:t>9/27/2022</a:t>
+              <a:t>11/10/2022</a:t>
             </a:fld>
             <a:endParaRPr lang="en-US"/>
           </a:p>
@@ -1244,7 +1247,7 @@
           <a:p>
             <a:fld id="{4435414B-ADD2-43DE-9D73-0125DC6028B1}" type="datetimeFigureOut">
               <a:rPr lang="en-US" smtClean="0"/>
-              <a:t>9/27/2022</a:t>
+              <a:t>11/10/2022</a:t>
             </a:fld>
             <a:endParaRPr lang="en-US"/>
           </a:p>
@@ -1611,7 +1614,7 @@
           <a:p>
             <a:fld id="{4435414B-ADD2-43DE-9D73-0125DC6028B1}" type="datetimeFigureOut">
               <a:rPr lang="en-US" smtClean="0"/>
-              <a:t>9/27/2022</a:t>
+              <a:t>11/10/2022</a:t>
             </a:fld>
             <a:endParaRPr lang="en-US"/>
           </a:p>
@@ -1729,7 +1732,7 @@
           <a:p>
             <a:fld id="{4435414B-ADD2-43DE-9D73-0125DC6028B1}" type="datetimeFigureOut">
               <a:rPr lang="en-US" smtClean="0"/>
-              <a:t>9/27/2022</a:t>
+              <a:t>11/10/2022</a:t>
             </a:fld>
             <a:endParaRPr lang="en-US"/>
           </a:p>
@@ -1824,7 +1827,7 @@
           <a:p>
             <a:fld id="{4435414B-ADD2-43DE-9D73-0125DC6028B1}" type="datetimeFigureOut">
               <a:rPr lang="en-US" smtClean="0"/>
-              <a:t>9/27/2022</a:t>
+              <a:t>11/10/2022</a:t>
             </a:fld>
             <a:endParaRPr lang="en-US"/>
           </a:p>
@@ -2101,7 +2104,7 @@
           <a:p>
             <a:fld id="{4435414B-ADD2-43DE-9D73-0125DC6028B1}" type="datetimeFigureOut">
               <a:rPr lang="en-US" smtClean="0"/>
-              <a:t>9/27/2022</a:t>
+              <a:t>11/10/2022</a:t>
             </a:fld>
             <a:endParaRPr lang="en-US"/>
           </a:p>
@@ -2358,7 +2361,7 @@
           <a:p>
             <a:fld id="{4435414B-ADD2-43DE-9D73-0125DC6028B1}" type="datetimeFigureOut">
               <a:rPr lang="en-US" smtClean="0"/>
-              <a:t>9/27/2022</a:t>
+              <a:t>11/10/2022</a:t>
             </a:fld>
             <a:endParaRPr lang="en-US"/>
           </a:p>
@@ -2571,7 +2574,7 @@
           <a:p>
             <a:fld id="{4435414B-ADD2-43DE-9D73-0125DC6028B1}" type="datetimeFigureOut">
               <a:rPr lang="en-US" smtClean="0"/>
-              <a:t>9/27/2022</a:t>
+              <a:t>11/10/2022</a:t>
             </a:fld>
             <a:endParaRPr lang="en-US"/>
           </a:p>
@@ -3582,6 +3585,128 @@
           <a:chExt cx="0" cy="0"/>
         </a:xfrm>
       </p:grpSpPr>
+      <p:grpSp>
+        <p:nvGrpSpPr>
+          <p:cNvPr id="13" name="Group 12">
+            <a:extLst>
+              <a:ext uri="{FF2B5EF4-FFF2-40B4-BE49-F238E27FC236}">
+                <a16:creationId xmlns:a16="http://schemas.microsoft.com/office/drawing/2014/main" id="{0AA6D186-45B9-B688-7D78-BBBAA1416285}"/>
+              </a:ext>
+            </a:extLst>
+          </p:cNvPr>
+          <p:cNvGrpSpPr/>
+          <p:nvPr/>
+        </p:nvGrpSpPr>
+        <p:grpSpPr>
+          <a:xfrm>
+            <a:off x="0" y="5286458"/>
+            <a:ext cx="12658503" cy="4971884"/>
+            <a:chOff x="0" y="5250289"/>
+            <a:chExt cx="11174799" cy="4389129"/>
+          </a:xfrm>
+        </p:grpSpPr>
+        <p:pic>
+          <p:nvPicPr>
+            <p:cNvPr id="10" name="Picture 9">
+              <a:extLst>
+                <a:ext uri="{FF2B5EF4-FFF2-40B4-BE49-F238E27FC236}">
+                  <a16:creationId xmlns:a16="http://schemas.microsoft.com/office/drawing/2014/main" id="{E24D0AE4-02CA-108E-706B-40826670BDD1}"/>
+                </a:ext>
+              </a:extLst>
+            </p:cNvPr>
+            <p:cNvPicPr>
+              <a:picLocks noChangeAspect="1"/>
+            </p:cNvPicPr>
+            <p:nvPr/>
+          </p:nvPicPr>
+          <p:blipFill rotWithShape="1">
+            <a:blip r:embed="rId2">
+              <a:extLst>
+                <a:ext uri="{28A0092B-C50C-407E-A947-70E740481C1C}">
+                  <a14:useLocalDpi xmlns:a14="http://schemas.microsoft.com/office/drawing/2010/main" val="0"/>
+                </a:ext>
+              </a:extLst>
+            </a:blip>
+            <a:srcRect r="9048"/>
+            <a:stretch/>
+          </p:blipFill>
+          <p:spPr>
+            <a:xfrm>
+              <a:off x="0" y="5250289"/>
+              <a:ext cx="5322627" cy="4389129"/>
+            </a:xfrm>
+            <a:prstGeom prst="rect">
+              <a:avLst/>
+            </a:prstGeom>
+          </p:spPr>
+        </p:pic>
+        <p:pic>
+          <p:nvPicPr>
+            <p:cNvPr id="12" name="Picture 11">
+              <a:extLst>
+                <a:ext uri="{FF2B5EF4-FFF2-40B4-BE49-F238E27FC236}">
+                  <a16:creationId xmlns:a16="http://schemas.microsoft.com/office/drawing/2014/main" id="{697949BC-01DA-EF8A-6FF5-D97FA90E8197}"/>
+                </a:ext>
+              </a:extLst>
+            </p:cNvPr>
+            <p:cNvPicPr>
+              <a:picLocks noChangeAspect="1"/>
+            </p:cNvPicPr>
+            <p:nvPr/>
+          </p:nvPicPr>
+          <p:blipFill>
+            <a:blip r:embed="rId3">
+              <a:extLst>
+                <a:ext uri="{28A0092B-C50C-407E-A947-70E740481C1C}">
+                  <a14:useLocalDpi xmlns:a14="http://schemas.microsoft.com/office/drawing/2010/main" val="0"/>
+                </a:ext>
+              </a:extLst>
+            </a:blip>
+            <a:stretch>
+              <a:fillRect/>
+            </a:stretch>
+          </p:blipFill>
+          <p:spPr>
+            <a:xfrm>
+              <a:off x="5322627" y="5250289"/>
+              <a:ext cx="5852172" cy="4389129"/>
+            </a:xfrm>
+            <a:prstGeom prst="rect">
+              <a:avLst/>
+            </a:prstGeom>
+          </p:spPr>
+        </p:pic>
+      </p:grpSp>
+    </p:spTree>
+    <p:extLst>
+      <p:ext uri="{BB962C8B-B14F-4D97-AF65-F5344CB8AC3E}">
+        <p14:creationId xmlns:p14="http://schemas.microsoft.com/office/powerpoint/2010/main" val="280392009"/>
+      </p:ext>
+    </p:extLst>
+  </p:cSld>
+  <p:clrMapOvr>
+    <a:masterClrMapping/>
+  </p:clrMapOvr>
+</p:sld>
+</file>
+
+<file path=ppt/slides/slide5.xml><?xml version="1.0" encoding="utf-8"?>
+<p:sld xmlns:a="http://schemas.openxmlformats.org/drawingml/2006/main" xmlns:r="http://schemas.openxmlformats.org/officeDocument/2006/relationships" xmlns:p="http://schemas.openxmlformats.org/presentationml/2006/main">
+  <p:cSld>
+    <p:spTree>
+      <p:nvGrpSpPr>
+        <p:cNvPr id="1" name=""/>
+        <p:cNvGrpSpPr/>
+        <p:nvPr/>
+      </p:nvGrpSpPr>
+      <p:grpSpPr>
+        <a:xfrm>
+          <a:off x="0" y="0"/>
+          <a:ext cx="0" cy="0"/>
+          <a:chOff x="0" y="0"/>
+          <a:chExt cx="0" cy="0"/>
+        </a:xfrm>
+      </p:grpSpPr>
       <p:sp>
         <p:nvSpPr>
           <p:cNvPr id="12" name="TextBox 11">
@@ -3727,7 +3852,7 @@
 </p:sld>
 </file>
 
-<file path=ppt/slides/slide5.xml><?xml version="1.0" encoding="utf-8"?>
+<file path=ppt/slides/slide6.xml><?xml version="1.0" encoding="utf-8"?>
 <p:sld xmlns:a="http://schemas.openxmlformats.org/drawingml/2006/main" xmlns:r="http://schemas.openxmlformats.org/officeDocument/2006/relationships" xmlns:p="http://schemas.openxmlformats.org/presentationml/2006/main">
   <p:cSld>
     <p:spTree>
@@ -4009,7 +4134,7 @@
 </p:sld>
 </file>
 
-<file path=ppt/slides/slide6.xml><?xml version="1.0" encoding="utf-8"?>
+<file path=ppt/slides/slide7.xml><?xml version="1.0" encoding="utf-8"?>
 <p:sld xmlns:a="http://schemas.openxmlformats.org/drawingml/2006/main" xmlns:r="http://schemas.openxmlformats.org/officeDocument/2006/relationships" xmlns:p="http://schemas.openxmlformats.org/presentationml/2006/main">
   <p:cSld>
     <p:spTree>
@@ -4100,6 +4225,452 @@
     <p:extLst>
       <p:ext uri="{BB962C8B-B14F-4D97-AF65-F5344CB8AC3E}">
         <p14:creationId xmlns:p14="http://schemas.microsoft.com/office/powerpoint/2010/main" val="2940556912"/>
+      </p:ext>
+    </p:extLst>
+  </p:cSld>
+  <p:clrMapOvr>
+    <a:masterClrMapping/>
+  </p:clrMapOvr>
+</p:sld>
+</file>
+
+<file path=ppt/slides/slide8.xml><?xml version="1.0" encoding="utf-8"?>
+<p:sld xmlns:a="http://schemas.openxmlformats.org/drawingml/2006/main" xmlns:r="http://schemas.openxmlformats.org/officeDocument/2006/relationships" xmlns:p="http://schemas.openxmlformats.org/presentationml/2006/main">
+  <p:cSld>
+    <p:spTree>
+      <p:nvGrpSpPr>
+        <p:cNvPr id="1" name=""/>
+        <p:cNvGrpSpPr/>
+        <p:nvPr/>
+      </p:nvGrpSpPr>
+      <p:grpSpPr>
+        <a:xfrm>
+          <a:off x="0" y="0"/>
+          <a:ext cx="0" cy="0"/>
+          <a:chOff x="0" y="0"/>
+          <a:chExt cx="0" cy="0"/>
+        </a:xfrm>
+      </p:grpSpPr>
+      <p:grpSp>
+        <p:nvGrpSpPr>
+          <p:cNvPr id="19" name="Group 18">
+            <a:extLst>
+              <a:ext uri="{FF2B5EF4-FFF2-40B4-BE49-F238E27FC236}">
+                <a16:creationId xmlns:a16="http://schemas.microsoft.com/office/drawing/2014/main" id="{6CDF8E59-2A2C-F33C-3C2B-FC7905089758}"/>
+              </a:ext>
+            </a:extLst>
+          </p:cNvPr>
+          <p:cNvGrpSpPr/>
+          <p:nvPr/>
+        </p:nvGrpSpPr>
+        <p:grpSpPr>
+          <a:xfrm>
+            <a:off x="1167657" y="1336330"/>
+            <a:ext cx="9856686" cy="7349163"/>
+            <a:chOff x="295610" y="2698786"/>
+            <a:chExt cx="9856686" cy="7349163"/>
+          </a:xfrm>
+        </p:grpSpPr>
+        <p:grpSp>
+          <p:nvGrpSpPr>
+            <p:cNvPr id="16" name="Group 15">
+              <a:extLst>
+                <a:ext uri="{FF2B5EF4-FFF2-40B4-BE49-F238E27FC236}">
+                  <a16:creationId xmlns:a16="http://schemas.microsoft.com/office/drawing/2014/main" id="{DB4DAFC1-836D-8BAD-22E1-76D3F17D3A16}"/>
+                </a:ext>
+              </a:extLst>
+            </p:cNvPr>
+            <p:cNvGrpSpPr/>
+            <p:nvPr/>
+          </p:nvGrpSpPr>
+          <p:grpSpPr>
+            <a:xfrm>
+              <a:off x="295610" y="2698786"/>
+              <a:ext cx="9253183" cy="7349163"/>
+              <a:chOff x="2142698" y="4809992"/>
+              <a:chExt cx="9253183" cy="7349163"/>
+            </a:xfrm>
+          </p:grpSpPr>
+          <p:pic>
+            <p:nvPicPr>
+              <p:cNvPr id="7" name="Picture 6" descr="Chart&#10;&#10;Description automatically generated">
+                <a:extLst>
+                  <a:ext uri="{FF2B5EF4-FFF2-40B4-BE49-F238E27FC236}">
+                    <a16:creationId xmlns:a16="http://schemas.microsoft.com/office/drawing/2014/main" id="{B5B7741E-F3BA-FDFA-54D6-A3C0EF1CAD9C}"/>
+                  </a:ext>
+                </a:extLst>
+              </p:cNvPr>
+              <p:cNvPicPr>
+                <a:picLocks noChangeAspect="1"/>
+              </p:cNvPicPr>
+              <p:nvPr/>
+            </p:nvPicPr>
+            <p:blipFill rotWithShape="1">
+              <a:blip r:embed="rId2">
+                <a:extLst>
+                  <a:ext uri="{28A0092B-C50C-407E-A947-70E740481C1C}">
+                    <a14:useLocalDpi xmlns:a14="http://schemas.microsoft.com/office/drawing/2010/main" val="0"/>
+                  </a:ext>
+                </a:extLst>
+              </a:blip>
+              <a:srcRect l="1921" t="13309" r="19256" b="9266"/>
+              <a:stretch/>
+            </p:blipFill>
+            <p:spPr>
+              <a:xfrm>
+                <a:off x="2142698" y="5179325"/>
+                <a:ext cx="4612943" cy="3398293"/>
+              </a:xfrm>
+              <a:prstGeom prst="rect">
+                <a:avLst/>
+              </a:prstGeom>
+            </p:spPr>
+          </p:pic>
+          <p:pic>
+            <p:nvPicPr>
+              <p:cNvPr id="9" name="Picture 8" descr="Chart&#10;&#10;Description automatically generated">
+                <a:extLst>
+                  <a:ext uri="{FF2B5EF4-FFF2-40B4-BE49-F238E27FC236}">
+                    <a16:creationId xmlns:a16="http://schemas.microsoft.com/office/drawing/2014/main" id="{ADC6C42D-0EEC-1802-79C1-3E2B9BED3397}"/>
+                  </a:ext>
+                </a:extLst>
+              </p:cNvPr>
+              <p:cNvPicPr>
+                <a:picLocks noChangeAspect="1"/>
+              </p:cNvPicPr>
+              <p:nvPr/>
+            </p:nvPicPr>
+            <p:blipFill rotWithShape="1">
+              <a:blip r:embed="rId3">
+                <a:extLst>
+                  <a:ext uri="{28A0092B-C50C-407E-A947-70E740481C1C}">
+                    <a14:useLocalDpi xmlns:a14="http://schemas.microsoft.com/office/drawing/2010/main" val="0"/>
+                  </a:ext>
+                </a:extLst>
+              </a:blip>
+              <a:srcRect l="2036" t="13309" r="19140" b="9266"/>
+              <a:stretch/>
+            </p:blipFill>
+            <p:spPr>
+              <a:xfrm>
+                <a:off x="6769289" y="5179324"/>
+                <a:ext cx="4612943" cy="3398293"/>
+              </a:xfrm>
+              <a:prstGeom prst="rect">
+                <a:avLst/>
+              </a:prstGeom>
+            </p:spPr>
+          </p:pic>
+          <p:sp>
+            <p:nvSpPr>
+              <p:cNvPr id="10" name="TextBox 9">
+                <a:extLst>
+                  <a:ext uri="{FF2B5EF4-FFF2-40B4-BE49-F238E27FC236}">
+                    <a16:creationId xmlns:a16="http://schemas.microsoft.com/office/drawing/2014/main" id="{80F7CDFC-09E1-AE15-F8D5-DCD4EE66134F}"/>
+                  </a:ext>
+                </a:extLst>
+              </p:cNvPr>
+              <p:cNvSpPr txBox="1"/>
+              <p:nvPr/>
+            </p:nvSpPr>
+            <p:spPr>
+              <a:xfrm>
+                <a:off x="5422712" y="4809992"/>
+                <a:ext cx="3204950" cy="369332"/>
+              </a:xfrm>
+              <a:prstGeom prst="rect">
+                <a:avLst/>
+              </a:prstGeom>
+              <a:noFill/>
+            </p:spPr>
+            <p:txBody>
+              <a:bodyPr wrap="square" rtlCol="0">
+                <a:spAutoFit/>
+              </a:bodyPr>
+              <a:lstStyle/>
+              <a:p>
+                <a:r>
+                  <a:rPr lang="en-US" dirty="0">
+                    <a:latin typeface="DejaVu Sans" panose="020B0603030804020204" pitchFamily="34" charset="0"/>
+                    <a:ea typeface="DejaVu Sans" panose="020B0603030804020204" pitchFamily="34" charset="0"/>
+                    <a:cs typeface="DejaVu Sans" panose="020B0603030804020204" pitchFamily="34" charset="0"/>
+                  </a:rPr>
+                  <a:t>Water supply reliability</a:t>
+                </a:r>
+              </a:p>
+            </p:txBody>
+          </p:sp>
+          <p:pic>
+            <p:nvPicPr>
+              <p:cNvPr id="12" name="Picture 11" descr="Chart&#10;&#10;Description automatically generated">
+                <a:extLst>
+                  <a:ext uri="{FF2B5EF4-FFF2-40B4-BE49-F238E27FC236}">
+                    <a16:creationId xmlns:a16="http://schemas.microsoft.com/office/drawing/2014/main" id="{458A7A6F-10E9-6E69-7B3E-45D37FB7365A}"/>
+                  </a:ext>
+                </a:extLst>
+              </p:cNvPr>
+              <p:cNvPicPr>
+                <a:picLocks noChangeAspect="1"/>
+              </p:cNvPicPr>
+              <p:nvPr/>
+            </p:nvPicPr>
+            <p:blipFill rotWithShape="1">
+              <a:blip r:embed="rId4">
+                <a:extLst>
+                  <a:ext uri="{28A0092B-C50C-407E-A947-70E740481C1C}">
+                    <a14:useLocalDpi xmlns:a14="http://schemas.microsoft.com/office/drawing/2010/main" val="0"/>
+                  </a:ext>
+                </a:extLst>
+              </a:blip>
+              <a:srcRect l="2321" t="12708" r="18855" b="9866"/>
+              <a:stretch/>
+            </p:blipFill>
+            <p:spPr>
+              <a:xfrm>
+                <a:off x="2142698" y="8750808"/>
+                <a:ext cx="4626591" cy="3408347"/>
+              </a:xfrm>
+              <a:prstGeom prst="rect">
+                <a:avLst/>
+              </a:prstGeom>
+            </p:spPr>
+          </p:pic>
+          <p:pic>
+            <p:nvPicPr>
+              <p:cNvPr id="14" name="Picture 13" descr="Chart&#10;&#10;Description automatically generated">
+                <a:extLst>
+                  <a:ext uri="{FF2B5EF4-FFF2-40B4-BE49-F238E27FC236}">
+                    <a16:creationId xmlns:a16="http://schemas.microsoft.com/office/drawing/2014/main" id="{45C81A86-B09D-86AF-A5E5-6888E18DD6F3}"/>
+                  </a:ext>
+                </a:extLst>
+              </p:cNvPr>
+              <p:cNvPicPr>
+                <a:picLocks noChangeAspect="1"/>
+              </p:cNvPicPr>
+              <p:nvPr/>
+            </p:nvPicPr>
+            <p:blipFill rotWithShape="1">
+              <a:blip r:embed="rId5">
+                <a:extLst>
+                  <a:ext uri="{28A0092B-C50C-407E-A947-70E740481C1C}">
+                    <a14:useLocalDpi xmlns:a14="http://schemas.microsoft.com/office/drawing/2010/main" val="0"/>
+                  </a:ext>
+                </a:extLst>
+              </a:blip>
+              <a:srcRect l="1880" t="12500" r="19062" b="9254"/>
+              <a:stretch/>
+            </p:blipFill>
+            <p:spPr>
+              <a:xfrm>
+                <a:off x="6769289" y="8724830"/>
+                <a:ext cx="4626592" cy="3434325"/>
+              </a:xfrm>
+              <a:prstGeom prst="rect">
+                <a:avLst/>
+              </a:prstGeom>
+            </p:spPr>
+          </p:pic>
+          <p:sp>
+            <p:nvSpPr>
+              <p:cNvPr id="15" name="TextBox 14">
+                <a:extLst>
+                  <a:ext uri="{FF2B5EF4-FFF2-40B4-BE49-F238E27FC236}">
+                    <a16:creationId xmlns:a16="http://schemas.microsoft.com/office/drawing/2014/main" id="{2733F72D-1650-8FC6-CCE7-B2E6306A4168}"/>
+                  </a:ext>
+                </a:extLst>
+              </p:cNvPr>
+              <p:cNvSpPr txBox="1"/>
+              <p:nvPr/>
+            </p:nvSpPr>
+            <p:spPr>
+              <a:xfrm>
+                <a:off x="5584055" y="8422168"/>
+                <a:ext cx="2882264" cy="369332"/>
+              </a:xfrm>
+              <a:prstGeom prst="rect">
+                <a:avLst/>
+              </a:prstGeom>
+              <a:noFill/>
+            </p:spPr>
+            <p:txBody>
+              <a:bodyPr wrap="none" rtlCol="0">
+                <a:spAutoFit/>
+              </a:bodyPr>
+              <a:lstStyle/>
+              <a:p>
+                <a:r>
+                  <a:rPr lang="en-US" dirty="0">
+                    <a:latin typeface="DejaVu Sans" panose="020B0603030804020204" pitchFamily="34" charset="0"/>
+                    <a:ea typeface="DejaVu Sans" panose="020B0603030804020204" pitchFamily="34" charset="0"/>
+                    <a:cs typeface="DejaVu Sans" panose="020B0603030804020204" pitchFamily="34" charset="0"/>
+                  </a:rPr>
+                  <a:t>Upstream flood volume</a:t>
+                </a:r>
+              </a:p>
+            </p:txBody>
+          </p:sp>
+        </p:grpSp>
+        <p:pic>
+          <p:nvPicPr>
+            <p:cNvPr id="18" name="Picture 17" descr="Chart&#10;&#10;Description automatically generated">
+              <a:extLst>
+                <a:ext uri="{FF2B5EF4-FFF2-40B4-BE49-F238E27FC236}">
+                  <a16:creationId xmlns:a16="http://schemas.microsoft.com/office/drawing/2014/main" id="{48CC874A-EF9F-2E63-4113-18388C6D2097}"/>
+                </a:ext>
+              </a:extLst>
+            </p:cNvPr>
+            <p:cNvPicPr>
+              <a:picLocks noChangeAspect="1"/>
+            </p:cNvPicPr>
+            <p:nvPr/>
+          </p:nvPicPr>
+          <p:blipFill rotWithShape="1">
+            <a:blip r:embed="rId5">
+              <a:extLst>
+                <a:ext uri="{28A0092B-C50C-407E-A947-70E740481C1C}">
+                  <a14:useLocalDpi xmlns:a14="http://schemas.microsoft.com/office/drawing/2010/main" val="0"/>
+                </a:ext>
+              </a:extLst>
+            </a:blip>
+            <a:srcRect l="83646" r="6042"/>
+            <a:stretch/>
+          </p:blipFill>
+          <p:spPr>
+            <a:xfrm>
+              <a:off x="9548792" y="4301063"/>
+              <a:ext cx="603504" cy="4389129"/>
+            </a:xfrm>
+            <a:prstGeom prst="rect">
+              <a:avLst/>
+            </a:prstGeom>
+          </p:spPr>
+        </p:pic>
+      </p:grpSp>
+    </p:spTree>
+    <p:extLst>
+      <p:ext uri="{BB962C8B-B14F-4D97-AF65-F5344CB8AC3E}">
+        <p14:creationId xmlns:p14="http://schemas.microsoft.com/office/powerpoint/2010/main" val="3743905771"/>
+      </p:ext>
+    </p:extLst>
+  </p:cSld>
+  <p:clrMapOvr>
+    <a:masterClrMapping/>
+  </p:clrMapOvr>
+</p:sld>
+</file>
+
+<file path=ppt/slides/slide9.xml><?xml version="1.0" encoding="utf-8"?>
+<p:sld xmlns:a="http://schemas.openxmlformats.org/drawingml/2006/main" xmlns:r="http://schemas.openxmlformats.org/officeDocument/2006/relationships" xmlns:p="http://schemas.openxmlformats.org/presentationml/2006/main">
+  <p:cSld>
+    <p:spTree>
+      <p:nvGrpSpPr>
+        <p:cNvPr id="1" name=""/>
+        <p:cNvGrpSpPr/>
+        <p:nvPr/>
+      </p:nvGrpSpPr>
+      <p:grpSpPr>
+        <a:xfrm>
+          <a:off x="0" y="0"/>
+          <a:ext cx="0" cy="0"/>
+          <a:chOff x="0" y="0"/>
+          <a:chExt cx="0" cy="0"/>
+        </a:xfrm>
+      </p:grpSpPr>
+      <p:grpSp>
+        <p:nvGrpSpPr>
+          <p:cNvPr id="8" name="Group 7">
+            <a:extLst>
+              <a:ext uri="{FF2B5EF4-FFF2-40B4-BE49-F238E27FC236}">
+                <a16:creationId xmlns:a16="http://schemas.microsoft.com/office/drawing/2014/main" id="{EA35FF9A-3C0E-CB9F-4439-10789C885FFF}"/>
+              </a:ext>
+            </a:extLst>
+          </p:cNvPr>
+          <p:cNvGrpSpPr/>
+          <p:nvPr/>
+        </p:nvGrpSpPr>
+        <p:grpSpPr>
+          <a:xfrm>
+            <a:off x="2315184" y="583660"/>
+            <a:ext cx="7078503" cy="8589526"/>
+            <a:chOff x="1926077" y="1546698"/>
+            <a:chExt cx="7078503" cy="8589526"/>
+          </a:xfrm>
+        </p:grpSpPr>
+        <p:pic>
+          <p:nvPicPr>
+            <p:cNvPr id="5" name="Picture 4" descr="Chart, line chart&#10;&#10;Description automatically generated">
+              <a:extLst>
+                <a:ext uri="{FF2B5EF4-FFF2-40B4-BE49-F238E27FC236}">
+                  <a16:creationId xmlns:a16="http://schemas.microsoft.com/office/drawing/2014/main" id="{CFBF782F-8C3C-DE88-CE73-2A6128A1E364}"/>
+                </a:ext>
+              </a:extLst>
+            </p:cNvPr>
+            <p:cNvPicPr>
+              <a:picLocks noChangeAspect="1"/>
+            </p:cNvPicPr>
+            <p:nvPr/>
+          </p:nvPicPr>
+          <p:blipFill rotWithShape="1">
+            <a:blip r:embed="rId2">
+              <a:extLst>
+                <a:ext uri="{28A0092B-C50C-407E-A947-70E740481C1C}">
+                  <a14:useLocalDpi xmlns:a14="http://schemas.microsoft.com/office/drawing/2010/main" val="0"/>
+                </a:ext>
+              </a:extLst>
+            </a:blip>
+            <a:srcRect l="2171" t="1490" r="1064" b="9362"/>
+            <a:stretch/>
+          </p:blipFill>
+          <p:spPr>
+            <a:xfrm>
+              <a:off x="1926077" y="1546698"/>
+              <a:ext cx="7078502" cy="4075890"/>
+            </a:xfrm>
+            <a:prstGeom prst="rect">
+              <a:avLst/>
+            </a:prstGeom>
+          </p:spPr>
+        </p:pic>
+        <p:pic>
+          <p:nvPicPr>
+            <p:cNvPr id="7" name="Picture 6" descr="Chart, line chart&#10;&#10;Description automatically generated">
+              <a:extLst>
+                <a:ext uri="{FF2B5EF4-FFF2-40B4-BE49-F238E27FC236}">
+                  <a16:creationId xmlns:a16="http://schemas.microsoft.com/office/drawing/2014/main" id="{604BCC4C-1D37-5006-DAE2-6761757D59F3}"/>
+                </a:ext>
+              </a:extLst>
+            </p:cNvPr>
+            <p:cNvPicPr>
+              <a:picLocks noChangeAspect="1"/>
+            </p:cNvPicPr>
+            <p:nvPr/>
+          </p:nvPicPr>
+          <p:blipFill rotWithShape="1">
+            <a:blip r:embed="rId3">
+              <a:extLst>
+                <a:ext uri="{28A0092B-C50C-407E-A947-70E740481C1C}">
+                  <a14:useLocalDpi xmlns:a14="http://schemas.microsoft.com/office/drawing/2010/main" val="0"/>
+                </a:ext>
+              </a:extLst>
+            </a:blip>
+            <a:srcRect l="2171" t="1915" r="1064"/>
+            <a:stretch/>
+          </p:blipFill>
+          <p:spPr>
+            <a:xfrm>
+              <a:off x="1926077" y="5651769"/>
+              <a:ext cx="7078503" cy="4484455"/>
+            </a:xfrm>
+            <a:prstGeom prst="rect">
+              <a:avLst/>
+            </a:prstGeom>
+          </p:spPr>
+        </p:pic>
+      </p:grpSp>
+    </p:spTree>
+    <p:extLst>
+      <p:ext uri="{BB962C8B-B14F-4D97-AF65-F5344CB8AC3E}">
+        <p14:creationId xmlns:p14="http://schemas.microsoft.com/office/powerpoint/2010/main" val="171685331"/>
       </p:ext>
     </p:extLst>
   </p:cSld>
